--- a/Maps/Map Calling Trees.pptx
+++ b/Maps/Map Calling Trees.pptx
@@ -247,7 +247,7 @@
           <a:p>
             <a:fld id="{4728A198-E1B1-4E07-BA63-B848E5929EE6}" type="datetimeFigureOut">
               <a:rPr lang="en-US" smtClean="0"/>
-              <a:t>5/13/2025</a:t>
+              <a:t>5/24/2025</a:t>
             </a:fld>
             <a:endParaRPr lang="en-US"/>
           </a:p>
@@ -417,7 +417,7 @@
           <a:p>
             <a:fld id="{4728A198-E1B1-4E07-BA63-B848E5929EE6}" type="datetimeFigureOut">
               <a:rPr lang="en-US" smtClean="0"/>
-              <a:t>5/13/2025</a:t>
+              <a:t>5/24/2025</a:t>
             </a:fld>
             <a:endParaRPr lang="en-US"/>
           </a:p>
@@ -597,7 +597,7 @@
           <a:p>
             <a:fld id="{4728A198-E1B1-4E07-BA63-B848E5929EE6}" type="datetimeFigureOut">
               <a:rPr lang="en-US" smtClean="0"/>
-              <a:t>5/13/2025</a:t>
+              <a:t>5/24/2025</a:t>
             </a:fld>
             <a:endParaRPr lang="en-US"/>
           </a:p>
@@ -767,7 +767,7 @@
           <a:p>
             <a:fld id="{4728A198-E1B1-4E07-BA63-B848E5929EE6}" type="datetimeFigureOut">
               <a:rPr lang="en-US" smtClean="0"/>
-              <a:t>5/13/2025</a:t>
+              <a:t>5/24/2025</a:t>
             </a:fld>
             <a:endParaRPr lang="en-US"/>
           </a:p>
@@ -1011,7 +1011,7 @@
           <a:p>
             <a:fld id="{4728A198-E1B1-4E07-BA63-B848E5929EE6}" type="datetimeFigureOut">
               <a:rPr lang="en-US" smtClean="0"/>
-              <a:t>5/13/2025</a:t>
+              <a:t>5/24/2025</a:t>
             </a:fld>
             <a:endParaRPr lang="en-US"/>
           </a:p>
@@ -1243,7 +1243,7 @@
           <a:p>
             <a:fld id="{4728A198-E1B1-4E07-BA63-B848E5929EE6}" type="datetimeFigureOut">
               <a:rPr lang="en-US" smtClean="0"/>
-              <a:t>5/13/2025</a:t>
+              <a:t>5/24/2025</a:t>
             </a:fld>
             <a:endParaRPr lang="en-US"/>
           </a:p>
@@ -1610,7 +1610,7 @@
           <a:p>
             <a:fld id="{4728A198-E1B1-4E07-BA63-B848E5929EE6}" type="datetimeFigureOut">
               <a:rPr lang="en-US" smtClean="0"/>
-              <a:t>5/13/2025</a:t>
+              <a:t>5/24/2025</a:t>
             </a:fld>
             <a:endParaRPr lang="en-US"/>
           </a:p>
@@ -1728,7 +1728,7 @@
           <a:p>
             <a:fld id="{4728A198-E1B1-4E07-BA63-B848E5929EE6}" type="datetimeFigureOut">
               <a:rPr lang="en-US" smtClean="0"/>
-              <a:t>5/13/2025</a:t>
+              <a:t>5/24/2025</a:t>
             </a:fld>
             <a:endParaRPr lang="en-US"/>
           </a:p>
@@ -1823,7 +1823,7 @@
           <a:p>
             <a:fld id="{4728A198-E1B1-4E07-BA63-B848E5929EE6}" type="datetimeFigureOut">
               <a:rPr lang="en-US" smtClean="0"/>
-              <a:t>5/13/2025</a:t>
+              <a:t>5/24/2025</a:t>
             </a:fld>
             <a:endParaRPr lang="en-US"/>
           </a:p>
@@ -2100,7 +2100,7 @@
           <a:p>
             <a:fld id="{4728A198-E1B1-4E07-BA63-B848E5929EE6}" type="datetimeFigureOut">
               <a:rPr lang="en-US" smtClean="0"/>
-              <a:t>5/13/2025</a:t>
+              <a:t>5/24/2025</a:t>
             </a:fld>
             <a:endParaRPr lang="en-US"/>
           </a:p>
@@ -2357,7 +2357,7 @@
           <a:p>
             <a:fld id="{4728A198-E1B1-4E07-BA63-B848E5929EE6}" type="datetimeFigureOut">
               <a:rPr lang="en-US" smtClean="0"/>
-              <a:t>5/13/2025</a:t>
+              <a:t>5/24/2025</a:t>
             </a:fld>
             <a:endParaRPr lang="en-US"/>
           </a:p>
@@ -2570,7 +2570,7 @@
           <a:p>
             <a:fld id="{4728A198-E1B1-4E07-BA63-B848E5929EE6}" type="datetimeFigureOut">
               <a:rPr lang="en-US" smtClean="0"/>
-              <a:t>5/13/2025</a:t>
+              <a:t>5/24/2025</a:t>
             </a:fld>
             <a:endParaRPr lang="en-US"/>
           </a:p>

--- a/Maps/Map Calling Trees.pptx
+++ b/Maps/Map Calling Trees.pptx
@@ -247,7 +247,7 @@
           <a:p>
             <a:fld id="{4728A198-E1B1-4E07-BA63-B848E5929EE6}" type="datetimeFigureOut">
               <a:rPr lang="en-US" smtClean="0"/>
-              <a:t>5/24/2025</a:t>
+              <a:t>8/13/2025</a:t>
             </a:fld>
             <a:endParaRPr lang="en-US"/>
           </a:p>
@@ -417,7 +417,7 @@
           <a:p>
             <a:fld id="{4728A198-E1B1-4E07-BA63-B848E5929EE6}" type="datetimeFigureOut">
               <a:rPr lang="en-US" smtClean="0"/>
-              <a:t>5/24/2025</a:t>
+              <a:t>8/13/2025</a:t>
             </a:fld>
             <a:endParaRPr lang="en-US"/>
           </a:p>
@@ -597,7 +597,7 @@
           <a:p>
             <a:fld id="{4728A198-E1B1-4E07-BA63-B848E5929EE6}" type="datetimeFigureOut">
               <a:rPr lang="en-US" smtClean="0"/>
-              <a:t>5/24/2025</a:t>
+              <a:t>8/13/2025</a:t>
             </a:fld>
             <a:endParaRPr lang="en-US"/>
           </a:p>
@@ -767,7 +767,7 @@
           <a:p>
             <a:fld id="{4728A198-E1B1-4E07-BA63-B848E5929EE6}" type="datetimeFigureOut">
               <a:rPr lang="en-US" smtClean="0"/>
-              <a:t>5/24/2025</a:t>
+              <a:t>8/13/2025</a:t>
             </a:fld>
             <a:endParaRPr lang="en-US"/>
           </a:p>
@@ -1011,7 +1011,7 @@
           <a:p>
             <a:fld id="{4728A198-E1B1-4E07-BA63-B848E5929EE6}" type="datetimeFigureOut">
               <a:rPr lang="en-US" smtClean="0"/>
-              <a:t>5/24/2025</a:t>
+              <a:t>8/13/2025</a:t>
             </a:fld>
             <a:endParaRPr lang="en-US"/>
           </a:p>
@@ -1243,7 +1243,7 @@
           <a:p>
             <a:fld id="{4728A198-E1B1-4E07-BA63-B848E5929EE6}" type="datetimeFigureOut">
               <a:rPr lang="en-US" smtClean="0"/>
-              <a:t>5/24/2025</a:t>
+              <a:t>8/13/2025</a:t>
             </a:fld>
             <a:endParaRPr lang="en-US"/>
           </a:p>
@@ -1610,7 +1610,7 @@
           <a:p>
             <a:fld id="{4728A198-E1B1-4E07-BA63-B848E5929EE6}" type="datetimeFigureOut">
               <a:rPr lang="en-US" smtClean="0"/>
-              <a:t>5/24/2025</a:t>
+              <a:t>8/13/2025</a:t>
             </a:fld>
             <a:endParaRPr lang="en-US"/>
           </a:p>
@@ -1728,7 +1728,7 @@
           <a:p>
             <a:fld id="{4728A198-E1B1-4E07-BA63-B848E5929EE6}" type="datetimeFigureOut">
               <a:rPr lang="en-US" smtClean="0"/>
-              <a:t>5/24/2025</a:t>
+              <a:t>8/13/2025</a:t>
             </a:fld>
             <a:endParaRPr lang="en-US"/>
           </a:p>
@@ -1823,7 +1823,7 @@
           <a:p>
             <a:fld id="{4728A198-E1B1-4E07-BA63-B848E5929EE6}" type="datetimeFigureOut">
               <a:rPr lang="en-US" smtClean="0"/>
-              <a:t>5/24/2025</a:t>
+              <a:t>8/13/2025</a:t>
             </a:fld>
             <a:endParaRPr lang="en-US"/>
           </a:p>
@@ -2100,7 +2100,7 @@
           <a:p>
             <a:fld id="{4728A198-E1B1-4E07-BA63-B848E5929EE6}" type="datetimeFigureOut">
               <a:rPr lang="en-US" smtClean="0"/>
-              <a:t>5/24/2025</a:t>
+              <a:t>8/13/2025</a:t>
             </a:fld>
             <a:endParaRPr lang="en-US"/>
           </a:p>
@@ -2357,7 +2357,7 @@
           <a:p>
             <a:fld id="{4728A198-E1B1-4E07-BA63-B848E5929EE6}" type="datetimeFigureOut">
               <a:rPr lang="en-US" smtClean="0"/>
-              <a:t>5/24/2025</a:t>
+              <a:t>8/13/2025</a:t>
             </a:fld>
             <a:endParaRPr lang="en-US"/>
           </a:p>
@@ -2570,7 +2570,7 @@
           <a:p>
             <a:fld id="{4728A198-E1B1-4E07-BA63-B848E5929EE6}" type="datetimeFigureOut">
               <a:rPr lang="en-US" smtClean="0"/>
-              <a:t>5/24/2025</a:t>
+              <a:t>8/13/2025</a:t>
             </a:fld>
             <a:endParaRPr lang="en-US"/>
           </a:p>
@@ -3087,7 +3087,7 @@
         </p:nvSpPr>
         <p:spPr>
           <a:xfrm>
-            <a:off x="2184403" y="2185486"/>
+            <a:off x="3459789" y="2185486"/>
             <a:ext cx="730288" cy="336884"/>
           </a:xfrm>
           <a:prstGeom prst="roundRect">
@@ -3117,55 +3117,6 @@
             <a:r>
               <a:rPr lang="en-US" sz="1200" dirty="0" err="1"/>
               <a:t>plot_patch</a:t>
-            </a:r>
-            <a:endParaRPr lang="en-US" sz="1200" dirty="0"/>
-          </a:p>
-        </p:txBody>
-      </p:sp>
-      <p:sp>
-        <p:nvSpPr>
-          <p:cNvPr id="5" name="Rectangle: Rounded Corners 4">
-            <a:extLst>
-              <a:ext uri="{FF2B5EF4-FFF2-40B4-BE49-F238E27FC236}">
-                <a16:creationId xmlns:a16="http://schemas.microsoft.com/office/drawing/2014/main" id="{EB0B7BBB-72F9-F38F-50D6-B8889C7D8236}"/>
-              </a:ext>
-            </a:extLst>
-          </p:cNvPr>
-          <p:cNvSpPr/>
-          <p:nvPr/>
-        </p:nvSpPr>
-        <p:spPr>
-          <a:xfrm>
-            <a:off x="2958046" y="2177649"/>
-            <a:ext cx="1200530" cy="336884"/>
-          </a:xfrm>
-          <a:prstGeom prst="roundRect">
-            <a:avLst/>
-          </a:prstGeom>
-          <a:ln w="28575"/>
-        </p:spPr>
-        <p:style>
-          <a:lnRef idx="2">
-            <a:schemeClr val="dk1"/>
-          </a:lnRef>
-          <a:fillRef idx="1">
-            <a:schemeClr val="lt1"/>
-          </a:fillRef>
-          <a:effectRef idx="0">
-            <a:schemeClr val="dk1"/>
-          </a:effectRef>
-          <a:fontRef idx="minor">
-            <a:schemeClr val="dk1"/>
-          </a:fontRef>
-        </p:style>
-        <p:txBody>
-          <a:bodyPr lIns="0" tIns="0" rIns="0" bIns="0" rtlCol="0" anchor="ctr"/>
-          <a:lstStyle/>
-          <a:p>
-            <a:pPr algn="ctr"/>
-            <a:r>
-              <a:rPr lang="en-US" sz="1200" dirty="0" err="1"/>
-              <a:t>make_patch_RGB</a:t>
             </a:r>
             <a:endParaRPr lang="en-US" sz="1200" dirty="0"/>
           </a:p>
@@ -3185,7 +3136,7 @@
         </p:nvSpPr>
         <p:spPr>
           <a:xfrm>
-            <a:off x="1289428" y="2185486"/>
+            <a:off x="2564814" y="2185486"/>
             <a:ext cx="821354" cy="336884"/>
           </a:xfrm>
           <a:prstGeom prst="roundRect">
@@ -3269,49 +3220,6 @@
           </a:p>
         </p:txBody>
       </p:sp>
-      <p:cxnSp>
-        <p:nvCxnSpPr>
-          <p:cNvPr id="14" name="Connector: Elbow 13">
-            <a:extLst>
-              <a:ext uri="{FF2B5EF4-FFF2-40B4-BE49-F238E27FC236}">
-                <a16:creationId xmlns:a16="http://schemas.microsoft.com/office/drawing/2014/main" id="{E8A04B15-079C-059E-34F0-84735803E7D3}"/>
-              </a:ext>
-            </a:extLst>
-          </p:cNvPr>
-          <p:cNvCxnSpPr>
-            <a:cxnSpLocks/>
-            <a:stCxn id="3" idx="2"/>
-            <a:endCxn id="5" idx="0"/>
-          </p:cNvCxnSpPr>
-          <p:nvPr/>
-        </p:nvCxnSpPr>
-        <p:spPr>
-          <a:xfrm rot="16200000" flipH="1">
-            <a:off x="3283742" y="1903080"/>
-            <a:ext cx="419826" cy="129311"/>
-          </a:xfrm>
-          <a:prstGeom prst="bentConnector3">
-            <a:avLst>
-              <a:gd name="adj1" fmla="val 50000"/>
-            </a:avLst>
-          </a:prstGeom>
-          <a:ln w="28575"/>
-        </p:spPr>
-        <p:style>
-          <a:lnRef idx="3">
-            <a:schemeClr val="dk1"/>
-          </a:lnRef>
-          <a:fillRef idx="0">
-            <a:schemeClr val="dk1"/>
-          </a:fillRef>
-          <a:effectRef idx="2">
-            <a:schemeClr val="dk1"/>
-          </a:effectRef>
-          <a:fontRef idx="minor">
-            <a:schemeClr val="tx1"/>
-          </a:fontRef>
-        </p:style>
-      </p:cxnSp>
       <p:cxnSp>
         <p:nvCxnSpPr>
           <p:cNvPr id="15" name="Connector: Elbow 14">
@@ -3329,9 +3237,9 @@
           <p:nvPr/>
         </p:nvCxnSpPr>
         <p:spPr>
-          <a:xfrm rot="5400000">
-            <a:off x="2775443" y="1531928"/>
-            <a:ext cx="427663" cy="879453"/>
+          <a:xfrm rot="16200000" flipH="1">
+            <a:off x="3413135" y="1773687"/>
+            <a:ext cx="427663" cy="395933"/>
           </a:xfrm>
           <a:prstGeom prst="bentConnector3">
             <a:avLst/>
@@ -3367,7 +3275,7 @@
         </p:nvSpPr>
         <p:spPr>
           <a:xfrm>
-            <a:off x="-211014" y="2185486"/>
+            <a:off x="1064372" y="2185486"/>
             <a:ext cx="1435004" cy="336884"/>
           </a:xfrm>
           <a:prstGeom prst="roundRect">
@@ -3415,7 +3323,7 @@
         </p:nvSpPr>
         <p:spPr>
           <a:xfrm>
-            <a:off x="-1624580" y="2169070"/>
+            <a:off x="-349194" y="2169070"/>
             <a:ext cx="1356980" cy="336884"/>
           </a:xfrm>
           <a:prstGeom prst="roundRect">
@@ -3601,8 +3509,8 @@
         </p:nvCxnSpPr>
         <p:spPr>
           <a:xfrm rot="5400000">
-            <a:off x="1035832" y="-224099"/>
-            <a:ext cx="411247" cy="4375090"/>
+            <a:off x="1673525" y="413594"/>
+            <a:ext cx="411247" cy="3099704"/>
           </a:xfrm>
           <a:prstGeom prst="bentConnector3">
             <a:avLst>
@@ -3644,8 +3552,8 @@
         </p:nvCxnSpPr>
         <p:spPr>
           <a:xfrm rot="5400000">
-            <a:off x="1753913" y="510398"/>
-            <a:ext cx="427663" cy="2922512"/>
+            <a:off x="2391606" y="1148091"/>
+            <a:ext cx="427663" cy="1647126"/>
           </a:xfrm>
           <a:prstGeom prst="bentConnector3">
             <a:avLst>
@@ -3687,8 +3595,8 @@
         </p:nvCxnSpPr>
         <p:spPr>
           <a:xfrm rot="5400000">
-            <a:off x="2350722" y="1107207"/>
-            <a:ext cx="427663" cy="1728895"/>
+            <a:off x="2988415" y="1744900"/>
+            <a:ext cx="427663" cy="453509"/>
           </a:xfrm>
           <a:prstGeom prst="bentConnector3">
             <a:avLst>

--- a/Maps/Map Calling Trees.pptx
+++ b/Maps/Map Calling Trees.pptx
@@ -2,16 +2,17 @@
 <file path=ppt/presentation.xml><?xml version="1.0" encoding="utf-8"?>
 <p:presentation xmlns:a="http://schemas.openxmlformats.org/drawingml/2006/main" xmlns:r="http://schemas.openxmlformats.org/officeDocument/2006/relationships" xmlns:p="http://schemas.openxmlformats.org/presentationml/2006/main" saveSubsetFonts="1">
   <p:sldMasterIdLst>
-    <p:sldMasterId id="2147483684" r:id="rId1"/>
+    <p:sldMasterId id="2147483696" r:id="rId1"/>
   </p:sldMasterIdLst>
   <p:sldIdLst>
-    <p:sldId id="257" r:id="rId2"/>
-    <p:sldId id="258" r:id="rId3"/>
-    <p:sldId id="259" r:id="rId4"/>
-    <p:sldId id="260" r:id="rId5"/>
-    <p:sldId id="262" r:id="rId6"/>
+    <p:sldId id="263" r:id="rId2"/>
+    <p:sldId id="257" r:id="rId3"/>
+    <p:sldId id="258" r:id="rId4"/>
+    <p:sldId id="259" r:id="rId5"/>
+    <p:sldId id="260" r:id="rId6"/>
+    <p:sldId id="262" r:id="rId7"/>
   </p:sldIdLst>
-  <p:sldSz cx="6858000" cy="9144000" type="screen4x3"/>
+  <p:sldSz cx="16256000" cy="9144000"/>
   <p:notesSz cx="6858000" cy="9144000"/>
   <p:defaultTextStyle>
     <a:defPPr>
@@ -145,15 +146,15 @@
         </p:nvSpPr>
         <p:spPr>
           <a:xfrm>
-            <a:off x="514350" y="1496484"/>
-            <a:ext cx="5829300" cy="3183467"/>
+            <a:off x="2032000" y="1496484"/>
+            <a:ext cx="12192000" cy="3183467"/>
           </a:xfrm>
         </p:spPr>
         <p:txBody>
           <a:bodyPr anchor="b"/>
           <a:lstStyle>
             <a:lvl1pPr algn="ctr">
-              <a:defRPr sz="4500"/>
+              <a:defRPr sz="8000"/>
             </a:lvl1pPr>
           </a:lstStyle>
           <a:p>
@@ -177,8 +178,8 @@
         </p:nvSpPr>
         <p:spPr>
           <a:xfrm>
-            <a:off x="857250" y="4802717"/>
-            <a:ext cx="5143500" cy="2207683"/>
+            <a:off x="2032000" y="4802717"/>
+            <a:ext cx="12192000" cy="2207683"/>
           </a:xfrm>
         </p:spPr>
         <p:txBody>
@@ -186,39 +187,39 @@
           <a:lstStyle>
             <a:lvl1pPr marL="0" indent="0" algn="ctr">
               <a:buNone/>
-              <a:defRPr sz="1800"/>
+              <a:defRPr sz="3200"/>
             </a:lvl1pPr>
-            <a:lvl2pPr marL="342900" indent="0" algn="ctr">
-              <a:buNone/>
-              <a:defRPr sz="1500"/>
+            <a:lvl2pPr marL="609585" indent="0" algn="ctr">
+              <a:buNone/>
+              <a:defRPr sz="2667"/>
             </a:lvl2pPr>
-            <a:lvl3pPr marL="685800" indent="0" algn="ctr">
-              <a:buNone/>
-              <a:defRPr sz="1350"/>
+            <a:lvl3pPr marL="1219170" indent="0" algn="ctr">
+              <a:buNone/>
+              <a:defRPr sz="2400"/>
             </a:lvl3pPr>
-            <a:lvl4pPr marL="1028700" indent="0" algn="ctr">
-              <a:buNone/>
-              <a:defRPr sz="1200"/>
+            <a:lvl4pPr marL="1828754" indent="0" algn="ctr">
+              <a:buNone/>
+              <a:defRPr sz="2133"/>
             </a:lvl4pPr>
-            <a:lvl5pPr marL="1371600" indent="0" algn="ctr">
-              <a:buNone/>
-              <a:defRPr sz="1200"/>
+            <a:lvl5pPr marL="2438339" indent="0" algn="ctr">
+              <a:buNone/>
+              <a:defRPr sz="2133"/>
             </a:lvl5pPr>
-            <a:lvl6pPr marL="1714500" indent="0" algn="ctr">
-              <a:buNone/>
-              <a:defRPr sz="1200"/>
+            <a:lvl6pPr marL="3047924" indent="0" algn="ctr">
+              <a:buNone/>
+              <a:defRPr sz="2133"/>
             </a:lvl6pPr>
-            <a:lvl7pPr marL="2057400" indent="0" algn="ctr">
-              <a:buNone/>
-              <a:defRPr sz="1200"/>
+            <a:lvl7pPr marL="3657509" indent="0" algn="ctr">
+              <a:buNone/>
+              <a:defRPr sz="2133"/>
             </a:lvl7pPr>
-            <a:lvl8pPr marL="2400300" indent="0" algn="ctr">
-              <a:buNone/>
-              <a:defRPr sz="1200"/>
+            <a:lvl8pPr marL="4267093" indent="0" algn="ctr">
+              <a:buNone/>
+              <a:defRPr sz="2133"/>
             </a:lvl8pPr>
-            <a:lvl9pPr marL="2743200" indent="0" algn="ctr">
-              <a:buNone/>
-              <a:defRPr sz="1200"/>
+            <a:lvl9pPr marL="4876678" indent="0" algn="ctr">
+              <a:buNone/>
+              <a:defRPr sz="2133"/>
             </a:lvl9pPr>
           </a:lstStyle>
           <a:p>
@@ -247,7 +248,7 @@
           <a:p>
             <a:fld id="{4728A198-E1B1-4E07-BA63-B848E5929EE6}" type="datetimeFigureOut">
               <a:rPr lang="en-US" smtClean="0"/>
-              <a:t>8/13/2025</a:t>
+              <a:t>11/20/2025</a:t>
             </a:fld>
             <a:endParaRPr lang="en-US"/>
           </a:p>
@@ -298,7 +299,7 @@
     </p:spTree>
     <p:extLst>
       <p:ext uri="{BB962C8B-B14F-4D97-AF65-F5344CB8AC3E}">
-        <p14:creationId xmlns:p14="http://schemas.microsoft.com/office/powerpoint/2010/main" val="3502949204"/>
+        <p14:creationId xmlns:p14="http://schemas.microsoft.com/office/powerpoint/2010/main" val="1112871618"/>
       </p:ext>
     </p:extLst>
   </p:cSld>
@@ -417,7 +418,7 @@
           <a:p>
             <a:fld id="{4728A198-E1B1-4E07-BA63-B848E5929EE6}" type="datetimeFigureOut">
               <a:rPr lang="en-US" smtClean="0"/>
-              <a:t>8/13/2025</a:t>
+              <a:t>11/20/2025</a:t>
             </a:fld>
             <a:endParaRPr lang="en-US"/>
           </a:p>
@@ -468,7 +469,7 @@
     </p:spTree>
     <p:extLst>
       <p:ext uri="{BB962C8B-B14F-4D97-AF65-F5344CB8AC3E}">
-        <p14:creationId xmlns:p14="http://schemas.microsoft.com/office/powerpoint/2010/main" val="1602436058"/>
+        <p14:creationId xmlns:p14="http://schemas.microsoft.com/office/powerpoint/2010/main" val="2969026452"/>
       </p:ext>
     </p:extLst>
   </p:cSld>
@@ -507,8 +508,8 @@
         </p:nvSpPr>
         <p:spPr>
           <a:xfrm>
-            <a:off x="4907757" y="486834"/>
-            <a:ext cx="1478756" cy="7749117"/>
+            <a:off x="11633200" y="486834"/>
+            <a:ext cx="3505200" cy="7749117"/>
           </a:xfrm>
         </p:spPr>
         <p:txBody>
@@ -535,8 +536,8 @@
         </p:nvSpPr>
         <p:spPr>
           <a:xfrm>
-            <a:off x="471488" y="486834"/>
-            <a:ext cx="4350544" cy="7749117"/>
+            <a:off x="1117600" y="486834"/>
+            <a:ext cx="10312400" cy="7749117"/>
           </a:xfrm>
         </p:spPr>
         <p:txBody>
@@ -597,7 +598,7 @@
           <a:p>
             <a:fld id="{4728A198-E1B1-4E07-BA63-B848E5929EE6}" type="datetimeFigureOut">
               <a:rPr lang="en-US" smtClean="0"/>
-              <a:t>8/13/2025</a:t>
+              <a:t>11/20/2025</a:t>
             </a:fld>
             <a:endParaRPr lang="en-US"/>
           </a:p>
@@ -648,7 +649,7 @@
     </p:spTree>
     <p:extLst>
       <p:ext uri="{BB962C8B-B14F-4D97-AF65-F5344CB8AC3E}">
-        <p14:creationId xmlns:p14="http://schemas.microsoft.com/office/powerpoint/2010/main" val="2821345087"/>
+        <p14:creationId xmlns:p14="http://schemas.microsoft.com/office/powerpoint/2010/main" val="2931857401"/>
       </p:ext>
     </p:extLst>
   </p:cSld>
@@ -767,7 +768,7 @@
           <a:p>
             <a:fld id="{4728A198-E1B1-4E07-BA63-B848E5929EE6}" type="datetimeFigureOut">
               <a:rPr lang="en-US" smtClean="0"/>
-              <a:t>8/13/2025</a:t>
+              <a:t>11/20/2025</a:t>
             </a:fld>
             <a:endParaRPr lang="en-US"/>
           </a:p>
@@ -818,7 +819,7 @@
     </p:spTree>
     <p:extLst>
       <p:ext uri="{BB962C8B-B14F-4D97-AF65-F5344CB8AC3E}">
-        <p14:creationId xmlns:p14="http://schemas.microsoft.com/office/powerpoint/2010/main" val="1209424539"/>
+        <p14:creationId xmlns:p14="http://schemas.microsoft.com/office/powerpoint/2010/main" val="1004058399"/>
       </p:ext>
     </p:extLst>
   </p:cSld>
@@ -857,15 +858,15 @@
         </p:nvSpPr>
         <p:spPr>
           <a:xfrm>
-            <a:off x="467916" y="2279653"/>
-            <a:ext cx="5915025" cy="3803649"/>
+            <a:off x="1109133" y="2279652"/>
+            <a:ext cx="14020800" cy="3803649"/>
           </a:xfrm>
         </p:spPr>
         <p:txBody>
           <a:bodyPr anchor="b"/>
           <a:lstStyle>
             <a:lvl1pPr>
-              <a:defRPr sz="4500"/>
+              <a:defRPr sz="8000"/>
             </a:lvl1pPr>
           </a:lstStyle>
           <a:p>
@@ -889,8 +890,8 @@
         </p:nvSpPr>
         <p:spPr>
           <a:xfrm>
-            <a:off x="467916" y="6119286"/>
-            <a:ext cx="5915025" cy="2000249"/>
+            <a:off x="1109133" y="6119285"/>
+            <a:ext cx="14020800" cy="2000249"/>
           </a:xfrm>
         </p:spPr>
         <p:txBody>
@@ -898,15 +899,17 @@
           <a:lstStyle>
             <a:lvl1pPr marL="0" indent="0">
               <a:buNone/>
-              <a:defRPr sz="1800">
+              <a:defRPr sz="3200">
                 <a:solidFill>
-                  <a:schemeClr val="tx1"/>
+                  <a:schemeClr val="tx1">
+                    <a:tint val="75000"/>
+                  </a:schemeClr>
                 </a:solidFill>
               </a:defRPr>
             </a:lvl1pPr>
-            <a:lvl2pPr marL="342900" indent="0">
-              <a:buNone/>
-              <a:defRPr sz="1500">
+            <a:lvl2pPr marL="609585" indent="0">
+              <a:buNone/>
+              <a:defRPr sz="2667">
                 <a:solidFill>
                   <a:schemeClr val="tx1">
                     <a:tint val="75000"/>
@@ -914,9 +917,9 @@
                 </a:solidFill>
               </a:defRPr>
             </a:lvl2pPr>
-            <a:lvl3pPr marL="685800" indent="0">
-              <a:buNone/>
-              <a:defRPr sz="1350">
+            <a:lvl3pPr marL="1219170" indent="0">
+              <a:buNone/>
+              <a:defRPr sz="2400">
                 <a:solidFill>
                   <a:schemeClr val="tx1">
                     <a:tint val="75000"/>
@@ -924,9 +927,9 @@
                 </a:solidFill>
               </a:defRPr>
             </a:lvl3pPr>
-            <a:lvl4pPr marL="1028700" indent="0">
-              <a:buNone/>
-              <a:defRPr sz="1200">
+            <a:lvl4pPr marL="1828754" indent="0">
+              <a:buNone/>
+              <a:defRPr sz="2133">
                 <a:solidFill>
                   <a:schemeClr val="tx1">
                     <a:tint val="75000"/>
@@ -934,9 +937,9 @@
                 </a:solidFill>
               </a:defRPr>
             </a:lvl4pPr>
-            <a:lvl5pPr marL="1371600" indent="0">
-              <a:buNone/>
-              <a:defRPr sz="1200">
+            <a:lvl5pPr marL="2438339" indent="0">
+              <a:buNone/>
+              <a:defRPr sz="2133">
                 <a:solidFill>
                   <a:schemeClr val="tx1">
                     <a:tint val="75000"/>
@@ -944,9 +947,9 @@
                 </a:solidFill>
               </a:defRPr>
             </a:lvl5pPr>
-            <a:lvl6pPr marL="1714500" indent="0">
-              <a:buNone/>
-              <a:defRPr sz="1200">
+            <a:lvl6pPr marL="3047924" indent="0">
+              <a:buNone/>
+              <a:defRPr sz="2133">
                 <a:solidFill>
                   <a:schemeClr val="tx1">
                     <a:tint val="75000"/>
@@ -954,9 +957,9 @@
                 </a:solidFill>
               </a:defRPr>
             </a:lvl6pPr>
-            <a:lvl7pPr marL="2057400" indent="0">
-              <a:buNone/>
-              <a:defRPr sz="1200">
+            <a:lvl7pPr marL="3657509" indent="0">
+              <a:buNone/>
+              <a:defRPr sz="2133">
                 <a:solidFill>
                   <a:schemeClr val="tx1">
                     <a:tint val="75000"/>
@@ -964,9 +967,9 @@
                 </a:solidFill>
               </a:defRPr>
             </a:lvl7pPr>
-            <a:lvl8pPr marL="2400300" indent="0">
-              <a:buNone/>
-              <a:defRPr sz="1200">
+            <a:lvl8pPr marL="4267093" indent="0">
+              <a:buNone/>
+              <a:defRPr sz="2133">
                 <a:solidFill>
                   <a:schemeClr val="tx1">
                     <a:tint val="75000"/>
@@ -974,9 +977,9 @@
                 </a:solidFill>
               </a:defRPr>
             </a:lvl8pPr>
-            <a:lvl9pPr marL="2743200" indent="0">
-              <a:buNone/>
-              <a:defRPr sz="1200">
+            <a:lvl9pPr marL="4876678" indent="0">
+              <a:buNone/>
+              <a:defRPr sz="2133">
                 <a:solidFill>
                   <a:schemeClr val="tx1">
                     <a:tint val="75000"/>
@@ -1011,7 +1014,7 @@
           <a:p>
             <a:fld id="{4728A198-E1B1-4E07-BA63-B848E5929EE6}" type="datetimeFigureOut">
               <a:rPr lang="en-US" smtClean="0"/>
-              <a:t>8/13/2025</a:t>
+              <a:t>11/20/2025</a:t>
             </a:fld>
             <a:endParaRPr lang="en-US"/>
           </a:p>
@@ -1062,7 +1065,7 @@
     </p:spTree>
     <p:extLst>
       <p:ext uri="{BB962C8B-B14F-4D97-AF65-F5344CB8AC3E}">
-        <p14:creationId xmlns:p14="http://schemas.microsoft.com/office/powerpoint/2010/main" val="2437169295"/>
+        <p14:creationId xmlns:p14="http://schemas.microsoft.com/office/powerpoint/2010/main" val="1822989549"/>
       </p:ext>
     </p:extLst>
   </p:cSld>
@@ -1124,8 +1127,8 @@
         </p:nvSpPr>
         <p:spPr>
           <a:xfrm>
-            <a:off x="471488" y="2434167"/>
-            <a:ext cx="2914650" cy="5801784"/>
+            <a:off x="1117600" y="2434167"/>
+            <a:ext cx="6908800" cy="5801784"/>
           </a:xfrm>
         </p:spPr>
         <p:txBody>
@@ -1181,8 +1184,8 @@
         </p:nvSpPr>
         <p:spPr>
           <a:xfrm>
-            <a:off x="3471863" y="2434167"/>
-            <a:ext cx="2914650" cy="5801784"/>
+            <a:off x="8229600" y="2434167"/>
+            <a:ext cx="6908800" cy="5801784"/>
           </a:xfrm>
         </p:spPr>
         <p:txBody>
@@ -1243,7 +1246,7 @@
           <a:p>
             <a:fld id="{4728A198-E1B1-4E07-BA63-B848E5929EE6}" type="datetimeFigureOut">
               <a:rPr lang="en-US" smtClean="0"/>
-              <a:t>8/13/2025</a:t>
+              <a:t>11/20/2025</a:t>
             </a:fld>
             <a:endParaRPr lang="en-US"/>
           </a:p>
@@ -1294,7 +1297,7 @@
     </p:spTree>
     <p:extLst>
       <p:ext uri="{BB962C8B-B14F-4D97-AF65-F5344CB8AC3E}">
-        <p14:creationId xmlns:p14="http://schemas.microsoft.com/office/powerpoint/2010/main" val="528978223"/>
+        <p14:creationId xmlns:p14="http://schemas.microsoft.com/office/powerpoint/2010/main" val="4030648653"/>
       </p:ext>
     </p:extLst>
   </p:cSld>
@@ -1333,8 +1336,8 @@
         </p:nvSpPr>
         <p:spPr>
           <a:xfrm>
-            <a:off x="472381" y="486836"/>
-            <a:ext cx="5915025" cy="1767417"/>
+            <a:off x="1119717" y="486834"/>
+            <a:ext cx="14020800" cy="1767417"/>
           </a:xfrm>
         </p:spPr>
         <p:txBody>
@@ -1361,8 +1364,8 @@
         </p:nvSpPr>
         <p:spPr>
           <a:xfrm>
-            <a:off x="472381" y="2241551"/>
-            <a:ext cx="2901255" cy="1098549"/>
+            <a:off x="1119718" y="2241551"/>
+            <a:ext cx="6877049" cy="1098549"/>
           </a:xfrm>
         </p:spPr>
         <p:txBody>
@@ -1370,39 +1373,39 @@
           <a:lstStyle>
             <a:lvl1pPr marL="0" indent="0">
               <a:buNone/>
-              <a:defRPr sz="1800" b="1"/>
+              <a:defRPr sz="3200" b="1"/>
             </a:lvl1pPr>
-            <a:lvl2pPr marL="342900" indent="0">
-              <a:buNone/>
-              <a:defRPr sz="1500" b="1"/>
+            <a:lvl2pPr marL="609585" indent="0">
+              <a:buNone/>
+              <a:defRPr sz="2667" b="1"/>
             </a:lvl2pPr>
-            <a:lvl3pPr marL="685800" indent="0">
-              <a:buNone/>
-              <a:defRPr sz="1350" b="1"/>
+            <a:lvl3pPr marL="1219170" indent="0">
+              <a:buNone/>
+              <a:defRPr sz="2400" b="1"/>
             </a:lvl3pPr>
-            <a:lvl4pPr marL="1028700" indent="0">
-              <a:buNone/>
-              <a:defRPr sz="1200" b="1"/>
+            <a:lvl4pPr marL="1828754" indent="0">
+              <a:buNone/>
+              <a:defRPr sz="2133" b="1"/>
             </a:lvl4pPr>
-            <a:lvl5pPr marL="1371600" indent="0">
-              <a:buNone/>
-              <a:defRPr sz="1200" b="1"/>
+            <a:lvl5pPr marL="2438339" indent="0">
+              <a:buNone/>
+              <a:defRPr sz="2133" b="1"/>
             </a:lvl5pPr>
-            <a:lvl6pPr marL="1714500" indent="0">
-              <a:buNone/>
-              <a:defRPr sz="1200" b="1"/>
+            <a:lvl6pPr marL="3047924" indent="0">
+              <a:buNone/>
+              <a:defRPr sz="2133" b="1"/>
             </a:lvl6pPr>
-            <a:lvl7pPr marL="2057400" indent="0">
-              <a:buNone/>
-              <a:defRPr sz="1200" b="1"/>
+            <a:lvl7pPr marL="3657509" indent="0">
+              <a:buNone/>
+              <a:defRPr sz="2133" b="1"/>
             </a:lvl7pPr>
-            <a:lvl8pPr marL="2400300" indent="0">
-              <a:buNone/>
-              <a:defRPr sz="1200" b="1"/>
+            <a:lvl8pPr marL="4267093" indent="0">
+              <a:buNone/>
+              <a:defRPr sz="2133" b="1"/>
             </a:lvl8pPr>
-            <a:lvl9pPr marL="2743200" indent="0">
-              <a:buNone/>
-              <a:defRPr sz="1200" b="1"/>
+            <a:lvl9pPr marL="4876678" indent="0">
+              <a:buNone/>
+              <a:defRPr sz="2133" b="1"/>
             </a:lvl9pPr>
           </a:lstStyle>
           <a:p>
@@ -1426,8 +1429,8 @@
         </p:nvSpPr>
         <p:spPr>
           <a:xfrm>
-            <a:off x="472381" y="3340100"/>
-            <a:ext cx="2901255" cy="4912784"/>
+            <a:off x="1119718" y="3340100"/>
+            <a:ext cx="6877049" cy="4912784"/>
           </a:xfrm>
         </p:spPr>
         <p:txBody>
@@ -1483,8 +1486,8 @@
         </p:nvSpPr>
         <p:spPr>
           <a:xfrm>
-            <a:off x="3471863" y="2241551"/>
-            <a:ext cx="2915543" cy="1098549"/>
+            <a:off x="8229600" y="2241551"/>
+            <a:ext cx="6910917" cy="1098549"/>
           </a:xfrm>
         </p:spPr>
         <p:txBody>
@@ -1492,39 +1495,39 @@
           <a:lstStyle>
             <a:lvl1pPr marL="0" indent="0">
               <a:buNone/>
-              <a:defRPr sz="1800" b="1"/>
+              <a:defRPr sz="3200" b="1"/>
             </a:lvl1pPr>
-            <a:lvl2pPr marL="342900" indent="0">
-              <a:buNone/>
-              <a:defRPr sz="1500" b="1"/>
+            <a:lvl2pPr marL="609585" indent="0">
+              <a:buNone/>
+              <a:defRPr sz="2667" b="1"/>
             </a:lvl2pPr>
-            <a:lvl3pPr marL="685800" indent="0">
-              <a:buNone/>
-              <a:defRPr sz="1350" b="1"/>
+            <a:lvl3pPr marL="1219170" indent="0">
+              <a:buNone/>
+              <a:defRPr sz="2400" b="1"/>
             </a:lvl3pPr>
-            <a:lvl4pPr marL="1028700" indent="0">
-              <a:buNone/>
-              <a:defRPr sz="1200" b="1"/>
+            <a:lvl4pPr marL="1828754" indent="0">
+              <a:buNone/>
+              <a:defRPr sz="2133" b="1"/>
             </a:lvl4pPr>
-            <a:lvl5pPr marL="1371600" indent="0">
-              <a:buNone/>
-              <a:defRPr sz="1200" b="1"/>
+            <a:lvl5pPr marL="2438339" indent="0">
+              <a:buNone/>
+              <a:defRPr sz="2133" b="1"/>
             </a:lvl5pPr>
-            <a:lvl6pPr marL="1714500" indent="0">
-              <a:buNone/>
-              <a:defRPr sz="1200" b="1"/>
+            <a:lvl6pPr marL="3047924" indent="0">
+              <a:buNone/>
+              <a:defRPr sz="2133" b="1"/>
             </a:lvl6pPr>
-            <a:lvl7pPr marL="2057400" indent="0">
-              <a:buNone/>
-              <a:defRPr sz="1200" b="1"/>
+            <a:lvl7pPr marL="3657509" indent="0">
+              <a:buNone/>
+              <a:defRPr sz="2133" b="1"/>
             </a:lvl7pPr>
-            <a:lvl8pPr marL="2400300" indent="0">
-              <a:buNone/>
-              <a:defRPr sz="1200" b="1"/>
+            <a:lvl8pPr marL="4267093" indent="0">
+              <a:buNone/>
+              <a:defRPr sz="2133" b="1"/>
             </a:lvl8pPr>
-            <a:lvl9pPr marL="2743200" indent="0">
-              <a:buNone/>
-              <a:defRPr sz="1200" b="1"/>
+            <a:lvl9pPr marL="4876678" indent="0">
+              <a:buNone/>
+              <a:defRPr sz="2133" b="1"/>
             </a:lvl9pPr>
           </a:lstStyle>
           <a:p>
@@ -1548,8 +1551,8 @@
         </p:nvSpPr>
         <p:spPr>
           <a:xfrm>
-            <a:off x="3471863" y="3340100"/>
-            <a:ext cx="2915543" cy="4912784"/>
+            <a:off x="8229600" y="3340100"/>
+            <a:ext cx="6910917" cy="4912784"/>
           </a:xfrm>
         </p:spPr>
         <p:txBody>
@@ -1610,7 +1613,7 @@
           <a:p>
             <a:fld id="{4728A198-E1B1-4E07-BA63-B848E5929EE6}" type="datetimeFigureOut">
               <a:rPr lang="en-US" smtClean="0"/>
-              <a:t>8/13/2025</a:t>
+              <a:t>11/20/2025</a:t>
             </a:fld>
             <a:endParaRPr lang="en-US"/>
           </a:p>
@@ -1661,7 +1664,7 @@
     </p:spTree>
     <p:extLst>
       <p:ext uri="{BB962C8B-B14F-4D97-AF65-F5344CB8AC3E}">
-        <p14:creationId xmlns:p14="http://schemas.microsoft.com/office/powerpoint/2010/main" val="1539631178"/>
+        <p14:creationId xmlns:p14="http://schemas.microsoft.com/office/powerpoint/2010/main" val="3395081663"/>
       </p:ext>
     </p:extLst>
   </p:cSld>
@@ -1728,7 +1731,7 @@
           <a:p>
             <a:fld id="{4728A198-E1B1-4E07-BA63-B848E5929EE6}" type="datetimeFigureOut">
               <a:rPr lang="en-US" smtClean="0"/>
-              <a:t>8/13/2025</a:t>
+              <a:t>11/20/2025</a:t>
             </a:fld>
             <a:endParaRPr lang="en-US"/>
           </a:p>
@@ -1779,7 +1782,7 @@
     </p:spTree>
     <p:extLst>
       <p:ext uri="{BB962C8B-B14F-4D97-AF65-F5344CB8AC3E}">
-        <p14:creationId xmlns:p14="http://schemas.microsoft.com/office/powerpoint/2010/main" val="3298838086"/>
+        <p14:creationId xmlns:p14="http://schemas.microsoft.com/office/powerpoint/2010/main" val="1828460147"/>
       </p:ext>
     </p:extLst>
   </p:cSld>
@@ -1823,7 +1826,7 @@
           <a:p>
             <a:fld id="{4728A198-E1B1-4E07-BA63-B848E5929EE6}" type="datetimeFigureOut">
               <a:rPr lang="en-US" smtClean="0"/>
-              <a:t>8/13/2025</a:t>
+              <a:t>11/20/2025</a:t>
             </a:fld>
             <a:endParaRPr lang="en-US"/>
           </a:p>
@@ -1874,7 +1877,7 @@
     </p:spTree>
     <p:extLst>
       <p:ext uri="{BB962C8B-B14F-4D97-AF65-F5344CB8AC3E}">
-        <p14:creationId xmlns:p14="http://schemas.microsoft.com/office/powerpoint/2010/main" val="1194545047"/>
+        <p14:creationId xmlns:p14="http://schemas.microsoft.com/office/powerpoint/2010/main" val="2873188044"/>
       </p:ext>
     </p:extLst>
   </p:cSld>
@@ -1913,15 +1916,15 @@
         </p:nvSpPr>
         <p:spPr>
           <a:xfrm>
-            <a:off x="472381" y="609600"/>
-            <a:ext cx="2211884" cy="2133600"/>
+            <a:off x="1119718" y="609600"/>
+            <a:ext cx="5242983" cy="2133600"/>
           </a:xfrm>
         </p:spPr>
         <p:txBody>
           <a:bodyPr anchor="b"/>
           <a:lstStyle>
             <a:lvl1pPr>
-              <a:defRPr sz="2400"/>
+              <a:defRPr sz="4267"/>
             </a:lvl1pPr>
           </a:lstStyle>
           <a:p>
@@ -1945,39 +1948,39 @@
         </p:nvSpPr>
         <p:spPr>
           <a:xfrm>
-            <a:off x="2915543" y="1316569"/>
-            <a:ext cx="3471863" cy="6498167"/>
+            <a:off x="6910917" y="1316567"/>
+            <a:ext cx="8229600" cy="6498167"/>
           </a:xfrm>
         </p:spPr>
         <p:txBody>
           <a:bodyPr/>
           <a:lstStyle>
             <a:lvl1pPr>
-              <a:defRPr sz="2400"/>
+              <a:defRPr sz="4267"/>
             </a:lvl1pPr>
             <a:lvl2pPr>
-              <a:defRPr sz="2100"/>
+              <a:defRPr sz="3733"/>
             </a:lvl2pPr>
             <a:lvl3pPr>
-              <a:defRPr sz="1800"/>
+              <a:defRPr sz="3200"/>
             </a:lvl3pPr>
             <a:lvl4pPr>
-              <a:defRPr sz="1500"/>
+              <a:defRPr sz="2667"/>
             </a:lvl4pPr>
             <a:lvl5pPr>
-              <a:defRPr sz="1500"/>
+              <a:defRPr sz="2667"/>
             </a:lvl5pPr>
             <a:lvl6pPr>
-              <a:defRPr sz="1500"/>
+              <a:defRPr sz="2667"/>
             </a:lvl6pPr>
             <a:lvl7pPr>
-              <a:defRPr sz="1500"/>
+              <a:defRPr sz="2667"/>
             </a:lvl7pPr>
             <a:lvl8pPr>
-              <a:defRPr sz="1500"/>
+              <a:defRPr sz="2667"/>
             </a:lvl8pPr>
             <a:lvl9pPr>
-              <a:defRPr sz="1500"/>
+              <a:defRPr sz="2667"/>
             </a:lvl9pPr>
           </a:lstStyle>
           <a:p>
@@ -2030,8 +2033,8 @@
         </p:nvSpPr>
         <p:spPr>
           <a:xfrm>
-            <a:off x="472381" y="2743200"/>
-            <a:ext cx="2211884" cy="5082117"/>
+            <a:off x="1119718" y="2743200"/>
+            <a:ext cx="5242983" cy="5082117"/>
           </a:xfrm>
         </p:spPr>
         <p:txBody>
@@ -2039,39 +2042,39 @@
           <a:lstStyle>
             <a:lvl1pPr marL="0" indent="0">
               <a:buNone/>
-              <a:defRPr sz="1200"/>
+              <a:defRPr sz="2133"/>
             </a:lvl1pPr>
-            <a:lvl2pPr marL="342900" indent="0">
-              <a:buNone/>
-              <a:defRPr sz="1050"/>
+            <a:lvl2pPr marL="609585" indent="0">
+              <a:buNone/>
+              <a:defRPr sz="1867"/>
             </a:lvl2pPr>
-            <a:lvl3pPr marL="685800" indent="0">
-              <a:buNone/>
-              <a:defRPr sz="900"/>
+            <a:lvl3pPr marL="1219170" indent="0">
+              <a:buNone/>
+              <a:defRPr sz="1600"/>
             </a:lvl3pPr>
-            <a:lvl4pPr marL="1028700" indent="0">
-              <a:buNone/>
-              <a:defRPr sz="750"/>
+            <a:lvl4pPr marL="1828754" indent="0">
+              <a:buNone/>
+              <a:defRPr sz="1333"/>
             </a:lvl4pPr>
-            <a:lvl5pPr marL="1371600" indent="0">
-              <a:buNone/>
-              <a:defRPr sz="750"/>
+            <a:lvl5pPr marL="2438339" indent="0">
+              <a:buNone/>
+              <a:defRPr sz="1333"/>
             </a:lvl5pPr>
-            <a:lvl6pPr marL="1714500" indent="0">
-              <a:buNone/>
-              <a:defRPr sz="750"/>
+            <a:lvl6pPr marL="3047924" indent="0">
+              <a:buNone/>
+              <a:defRPr sz="1333"/>
             </a:lvl6pPr>
-            <a:lvl7pPr marL="2057400" indent="0">
-              <a:buNone/>
-              <a:defRPr sz="750"/>
+            <a:lvl7pPr marL="3657509" indent="0">
+              <a:buNone/>
+              <a:defRPr sz="1333"/>
             </a:lvl7pPr>
-            <a:lvl8pPr marL="2400300" indent="0">
-              <a:buNone/>
-              <a:defRPr sz="750"/>
+            <a:lvl8pPr marL="4267093" indent="0">
+              <a:buNone/>
+              <a:defRPr sz="1333"/>
             </a:lvl8pPr>
-            <a:lvl9pPr marL="2743200" indent="0">
-              <a:buNone/>
-              <a:defRPr sz="750"/>
+            <a:lvl9pPr marL="4876678" indent="0">
+              <a:buNone/>
+              <a:defRPr sz="1333"/>
             </a:lvl9pPr>
           </a:lstStyle>
           <a:p>
@@ -2100,7 +2103,7 @@
           <a:p>
             <a:fld id="{4728A198-E1B1-4E07-BA63-B848E5929EE6}" type="datetimeFigureOut">
               <a:rPr lang="en-US" smtClean="0"/>
-              <a:t>8/13/2025</a:t>
+              <a:t>11/20/2025</a:t>
             </a:fld>
             <a:endParaRPr lang="en-US"/>
           </a:p>
@@ -2151,7 +2154,7 @@
     </p:spTree>
     <p:extLst>
       <p:ext uri="{BB962C8B-B14F-4D97-AF65-F5344CB8AC3E}">
-        <p14:creationId xmlns:p14="http://schemas.microsoft.com/office/powerpoint/2010/main" val="2036101361"/>
+        <p14:creationId xmlns:p14="http://schemas.microsoft.com/office/powerpoint/2010/main" val="4035423215"/>
       </p:ext>
     </p:extLst>
   </p:cSld>
@@ -2190,15 +2193,15 @@
         </p:nvSpPr>
         <p:spPr>
           <a:xfrm>
-            <a:off x="472381" y="609600"/>
-            <a:ext cx="2211884" cy="2133600"/>
+            <a:off x="1119718" y="609600"/>
+            <a:ext cx="5242983" cy="2133600"/>
           </a:xfrm>
         </p:spPr>
         <p:txBody>
           <a:bodyPr anchor="b"/>
           <a:lstStyle>
             <a:lvl1pPr>
-              <a:defRPr sz="2400"/>
+              <a:defRPr sz="4267"/>
             </a:lvl1pPr>
           </a:lstStyle>
           <a:p>
@@ -2222,8 +2225,8 @@
         </p:nvSpPr>
         <p:spPr>
           <a:xfrm>
-            <a:off x="2915543" y="1316569"/>
-            <a:ext cx="3471863" cy="6498167"/>
+            <a:off x="6910917" y="1316567"/>
+            <a:ext cx="8229600" cy="6498167"/>
           </a:xfrm>
         </p:spPr>
         <p:txBody>
@@ -2231,39 +2234,39 @@
           <a:lstStyle>
             <a:lvl1pPr marL="0" indent="0">
               <a:buNone/>
-              <a:defRPr sz="2400"/>
+              <a:defRPr sz="4267"/>
             </a:lvl1pPr>
-            <a:lvl2pPr marL="342900" indent="0">
-              <a:buNone/>
-              <a:defRPr sz="2100"/>
+            <a:lvl2pPr marL="609585" indent="0">
+              <a:buNone/>
+              <a:defRPr sz="3733"/>
             </a:lvl2pPr>
-            <a:lvl3pPr marL="685800" indent="0">
-              <a:buNone/>
-              <a:defRPr sz="1800"/>
+            <a:lvl3pPr marL="1219170" indent="0">
+              <a:buNone/>
+              <a:defRPr sz="3200"/>
             </a:lvl3pPr>
-            <a:lvl4pPr marL="1028700" indent="0">
-              <a:buNone/>
-              <a:defRPr sz="1500"/>
+            <a:lvl4pPr marL="1828754" indent="0">
+              <a:buNone/>
+              <a:defRPr sz="2667"/>
             </a:lvl4pPr>
-            <a:lvl5pPr marL="1371600" indent="0">
-              <a:buNone/>
-              <a:defRPr sz="1500"/>
+            <a:lvl5pPr marL="2438339" indent="0">
+              <a:buNone/>
+              <a:defRPr sz="2667"/>
             </a:lvl5pPr>
-            <a:lvl6pPr marL="1714500" indent="0">
-              <a:buNone/>
-              <a:defRPr sz="1500"/>
+            <a:lvl6pPr marL="3047924" indent="0">
+              <a:buNone/>
+              <a:defRPr sz="2667"/>
             </a:lvl6pPr>
-            <a:lvl7pPr marL="2057400" indent="0">
-              <a:buNone/>
-              <a:defRPr sz="1500"/>
+            <a:lvl7pPr marL="3657509" indent="0">
+              <a:buNone/>
+              <a:defRPr sz="2667"/>
             </a:lvl7pPr>
-            <a:lvl8pPr marL="2400300" indent="0">
-              <a:buNone/>
-              <a:defRPr sz="1500"/>
+            <a:lvl8pPr marL="4267093" indent="0">
+              <a:buNone/>
+              <a:defRPr sz="2667"/>
             </a:lvl8pPr>
-            <a:lvl9pPr marL="2743200" indent="0">
-              <a:buNone/>
-              <a:defRPr sz="1500"/>
+            <a:lvl9pPr marL="4876678" indent="0">
+              <a:buNone/>
+              <a:defRPr sz="2667"/>
             </a:lvl9pPr>
           </a:lstStyle>
           <a:p>
@@ -2287,8 +2290,8 @@
         </p:nvSpPr>
         <p:spPr>
           <a:xfrm>
-            <a:off x="472381" y="2743200"/>
-            <a:ext cx="2211884" cy="5082117"/>
+            <a:off x="1119718" y="2743200"/>
+            <a:ext cx="5242983" cy="5082117"/>
           </a:xfrm>
         </p:spPr>
         <p:txBody>
@@ -2296,39 +2299,39 @@
           <a:lstStyle>
             <a:lvl1pPr marL="0" indent="0">
               <a:buNone/>
-              <a:defRPr sz="1200"/>
+              <a:defRPr sz="2133"/>
             </a:lvl1pPr>
-            <a:lvl2pPr marL="342900" indent="0">
-              <a:buNone/>
-              <a:defRPr sz="1050"/>
+            <a:lvl2pPr marL="609585" indent="0">
+              <a:buNone/>
+              <a:defRPr sz="1867"/>
             </a:lvl2pPr>
-            <a:lvl3pPr marL="685800" indent="0">
-              <a:buNone/>
-              <a:defRPr sz="900"/>
+            <a:lvl3pPr marL="1219170" indent="0">
+              <a:buNone/>
+              <a:defRPr sz="1600"/>
             </a:lvl3pPr>
-            <a:lvl4pPr marL="1028700" indent="0">
-              <a:buNone/>
-              <a:defRPr sz="750"/>
+            <a:lvl4pPr marL="1828754" indent="0">
+              <a:buNone/>
+              <a:defRPr sz="1333"/>
             </a:lvl4pPr>
-            <a:lvl5pPr marL="1371600" indent="0">
-              <a:buNone/>
-              <a:defRPr sz="750"/>
+            <a:lvl5pPr marL="2438339" indent="0">
+              <a:buNone/>
+              <a:defRPr sz="1333"/>
             </a:lvl5pPr>
-            <a:lvl6pPr marL="1714500" indent="0">
-              <a:buNone/>
-              <a:defRPr sz="750"/>
+            <a:lvl6pPr marL="3047924" indent="0">
+              <a:buNone/>
+              <a:defRPr sz="1333"/>
             </a:lvl6pPr>
-            <a:lvl7pPr marL="2057400" indent="0">
-              <a:buNone/>
-              <a:defRPr sz="750"/>
+            <a:lvl7pPr marL="3657509" indent="0">
+              <a:buNone/>
+              <a:defRPr sz="1333"/>
             </a:lvl7pPr>
-            <a:lvl8pPr marL="2400300" indent="0">
-              <a:buNone/>
-              <a:defRPr sz="750"/>
+            <a:lvl8pPr marL="4267093" indent="0">
+              <a:buNone/>
+              <a:defRPr sz="1333"/>
             </a:lvl8pPr>
-            <a:lvl9pPr marL="2743200" indent="0">
-              <a:buNone/>
-              <a:defRPr sz="750"/>
+            <a:lvl9pPr marL="4876678" indent="0">
+              <a:buNone/>
+              <a:defRPr sz="1333"/>
             </a:lvl9pPr>
           </a:lstStyle>
           <a:p>
@@ -2357,7 +2360,7 @@
           <a:p>
             <a:fld id="{4728A198-E1B1-4E07-BA63-B848E5929EE6}" type="datetimeFigureOut">
               <a:rPr lang="en-US" smtClean="0"/>
-              <a:t>8/13/2025</a:t>
+              <a:t>11/20/2025</a:t>
             </a:fld>
             <a:endParaRPr lang="en-US"/>
           </a:p>
@@ -2408,7 +2411,7 @@
     </p:spTree>
     <p:extLst>
       <p:ext uri="{BB962C8B-B14F-4D97-AF65-F5344CB8AC3E}">
-        <p14:creationId xmlns:p14="http://schemas.microsoft.com/office/powerpoint/2010/main" val="2044451823"/>
+        <p14:creationId xmlns:p14="http://schemas.microsoft.com/office/powerpoint/2010/main" val="1262613690"/>
       </p:ext>
     </p:extLst>
   </p:cSld>
@@ -2452,8 +2455,8 @@
         </p:nvSpPr>
         <p:spPr>
           <a:xfrm>
-            <a:off x="471488" y="486836"/>
-            <a:ext cx="5915025" cy="1767417"/>
+            <a:off x="1117600" y="486834"/>
+            <a:ext cx="14020800" cy="1767417"/>
           </a:xfrm>
           <a:prstGeom prst="rect">
             <a:avLst/>
@@ -2485,8 +2488,8 @@
         </p:nvSpPr>
         <p:spPr>
           <a:xfrm>
-            <a:off x="471488" y="2434167"/>
-            <a:ext cx="5915025" cy="5801784"/>
+            <a:off x="1117600" y="2434167"/>
+            <a:ext cx="14020800" cy="5801784"/>
           </a:xfrm>
           <a:prstGeom prst="rect">
             <a:avLst/>
@@ -2547,8 +2550,8 @@
         </p:nvSpPr>
         <p:spPr>
           <a:xfrm>
-            <a:off x="471488" y="8475136"/>
-            <a:ext cx="1543050" cy="486833"/>
+            <a:off x="1117600" y="8475134"/>
+            <a:ext cx="3657600" cy="486833"/>
           </a:xfrm>
           <a:prstGeom prst="rect">
             <a:avLst/>
@@ -2558,7 +2561,7 @@
           <a:bodyPr vert="horz" lIns="91440" tIns="45720" rIns="91440" bIns="45720" rtlCol="0" anchor="ctr"/>
           <a:lstStyle>
             <a:lvl1pPr algn="l">
-              <a:defRPr sz="900">
+              <a:defRPr sz="1600">
                 <a:solidFill>
                   <a:schemeClr val="tx1">
                     <a:tint val="75000"/>
@@ -2570,7 +2573,7 @@
           <a:p>
             <a:fld id="{4728A198-E1B1-4E07-BA63-B848E5929EE6}" type="datetimeFigureOut">
               <a:rPr lang="en-US" smtClean="0"/>
-              <a:t>8/13/2025</a:t>
+              <a:t>11/20/2025</a:t>
             </a:fld>
             <a:endParaRPr lang="en-US"/>
           </a:p>
@@ -2588,8 +2591,8 @@
         </p:nvSpPr>
         <p:spPr>
           <a:xfrm>
-            <a:off x="2271713" y="8475136"/>
-            <a:ext cx="2314575" cy="486833"/>
+            <a:off x="5384800" y="8475134"/>
+            <a:ext cx="5486400" cy="486833"/>
           </a:xfrm>
           <a:prstGeom prst="rect">
             <a:avLst/>
@@ -2599,7 +2602,7 @@
           <a:bodyPr vert="horz" lIns="91440" tIns="45720" rIns="91440" bIns="45720" rtlCol="0" anchor="ctr"/>
           <a:lstStyle>
             <a:lvl1pPr algn="ctr">
-              <a:defRPr sz="900">
+              <a:defRPr sz="1600">
                 <a:solidFill>
                   <a:schemeClr val="tx1">
                     <a:tint val="75000"/>
@@ -2625,8 +2628,8 @@
         </p:nvSpPr>
         <p:spPr>
           <a:xfrm>
-            <a:off x="4843463" y="8475136"/>
-            <a:ext cx="1543050" cy="486833"/>
+            <a:off x="11480800" y="8475134"/>
+            <a:ext cx="3657600" cy="486833"/>
           </a:xfrm>
           <a:prstGeom prst="rect">
             <a:avLst/>
@@ -2636,7 +2639,7 @@
           <a:bodyPr vert="horz" lIns="91440" tIns="45720" rIns="91440" bIns="45720" rtlCol="0" anchor="ctr"/>
           <a:lstStyle>
             <a:lvl1pPr algn="r">
-              <a:defRPr sz="900">
+              <a:defRPr sz="1600">
                 <a:solidFill>
                   <a:schemeClr val="tx1">
                     <a:tint val="75000"/>
@@ -2657,27 +2660,27 @@
     </p:spTree>
     <p:extLst>
       <p:ext uri="{BB962C8B-B14F-4D97-AF65-F5344CB8AC3E}">
-        <p14:creationId xmlns:p14="http://schemas.microsoft.com/office/powerpoint/2010/main" val="3466381621"/>
+        <p14:creationId xmlns:p14="http://schemas.microsoft.com/office/powerpoint/2010/main" val="435066545"/>
       </p:ext>
     </p:extLst>
   </p:cSld>
   <p:clrMap bg1="lt1" tx1="dk1" bg2="lt2" tx2="dk2" accent1="accent1" accent2="accent2" accent3="accent3" accent4="accent4" accent5="accent5" accent6="accent6" hlink="hlink" folHlink="folHlink"/>
   <p:sldLayoutIdLst>
-    <p:sldLayoutId id="2147483685" r:id="rId1"/>
-    <p:sldLayoutId id="2147483686" r:id="rId2"/>
-    <p:sldLayoutId id="2147483687" r:id="rId3"/>
-    <p:sldLayoutId id="2147483688" r:id="rId4"/>
-    <p:sldLayoutId id="2147483689" r:id="rId5"/>
-    <p:sldLayoutId id="2147483690" r:id="rId6"/>
-    <p:sldLayoutId id="2147483691" r:id="rId7"/>
-    <p:sldLayoutId id="2147483692" r:id="rId8"/>
-    <p:sldLayoutId id="2147483693" r:id="rId9"/>
-    <p:sldLayoutId id="2147483694" r:id="rId10"/>
-    <p:sldLayoutId id="2147483695" r:id="rId11"/>
+    <p:sldLayoutId id="2147483697" r:id="rId1"/>
+    <p:sldLayoutId id="2147483698" r:id="rId2"/>
+    <p:sldLayoutId id="2147483699" r:id="rId3"/>
+    <p:sldLayoutId id="2147483700" r:id="rId4"/>
+    <p:sldLayoutId id="2147483701" r:id="rId5"/>
+    <p:sldLayoutId id="2147483702" r:id="rId6"/>
+    <p:sldLayoutId id="2147483703" r:id="rId7"/>
+    <p:sldLayoutId id="2147483704" r:id="rId8"/>
+    <p:sldLayoutId id="2147483705" r:id="rId9"/>
+    <p:sldLayoutId id="2147483706" r:id="rId10"/>
+    <p:sldLayoutId id="2147483707" r:id="rId11"/>
   </p:sldLayoutIdLst>
   <p:txStyles>
     <p:titleStyle>
-      <a:lvl1pPr algn="l" defTabSz="685800" rtl="0" eaLnBrk="1" latinLnBrk="0" hangingPunct="1">
+      <a:lvl1pPr algn="l" defTabSz="1219170" rtl="0" eaLnBrk="1" latinLnBrk="0" hangingPunct="1">
         <a:lnSpc>
           <a:spcPct val="90000"/>
         </a:lnSpc>
@@ -2685,7 +2688,7 @@
           <a:spcPct val="0"/>
         </a:spcBef>
         <a:buNone/>
-        <a:defRPr sz="3300" kern="1200">
+        <a:defRPr sz="5867" kern="1200">
           <a:solidFill>
             <a:schemeClr val="tx1"/>
           </a:solidFill>
@@ -2696,16 +2699,16 @@
       </a:lvl1pPr>
     </p:titleStyle>
     <p:bodyStyle>
-      <a:lvl1pPr marL="171450" indent="-171450" algn="l" defTabSz="685800" rtl="0" eaLnBrk="1" latinLnBrk="0" hangingPunct="1">
+      <a:lvl1pPr marL="304792" indent="-304792" algn="l" defTabSz="1219170" rtl="0" eaLnBrk="1" latinLnBrk="0" hangingPunct="1">
         <a:lnSpc>
           <a:spcPct val="90000"/>
         </a:lnSpc>
         <a:spcBef>
-          <a:spcPts val="750"/>
+          <a:spcPts val="1333"/>
         </a:spcBef>
         <a:buFont typeface="Arial" panose="020B0604020202020204" pitchFamily="34" charset="0"/>
         <a:buChar char="•"/>
-        <a:defRPr sz="2100" kern="1200">
+        <a:defRPr sz="3733" kern="1200">
           <a:solidFill>
             <a:schemeClr val="tx1"/>
           </a:solidFill>
@@ -2714,16 +2717,16 @@
           <a:cs typeface="+mn-cs"/>
         </a:defRPr>
       </a:lvl1pPr>
-      <a:lvl2pPr marL="514350" indent="-171450" algn="l" defTabSz="685800" rtl="0" eaLnBrk="1" latinLnBrk="0" hangingPunct="1">
+      <a:lvl2pPr marL="914377" indent="-304792" algn="l" defTabSz="1219170" rtl="0" eaLnBrk="1" latinLnBrk="0" hangingPunct="1">
         <a:lnSpc>
           <a:spcPct val="90000"/>
         </a:lnSpc>
         <a:spcBef>
-          <a:spcPts val="375"/>
+          <a:spcPts val="667"/>
         </a:spcBef>
         <a:buFont typeface="Arial" panose="020B0604020202020204" pitchFamily="34" charset="0"/>
         <a:buChar char="•"/>
-        <a:defRPr sz="1800" kern="1200">
+        <a:defRPr sz="3200" kern="1200">
           <a:solidFill>
             <a:schemeClr val="tx1"/>
           </a:solidFill>
@@ -2732,16 +2735,16 @@
           <a:cs typeface="+mn-cs"/>
         </a:defRPr>
       </a:lvl2pPr>
-      <a:lvl3pPr marL="857250" indent="-171450" algn="l" defTabSz="685800" rtl="0" eaLnBrk="1" latinLnBrk="0" hangingPunct="1">
+      <a:lvl3pPr marL="1523962" indent="-304792" algn="l" defTabSz="1219170" rtl="0" eaLnBrk="1" latinLnBrk="0" hangingPunct="1">
         <a:lnSpc>
           <a:spcPct val="90000"/>
         </a:lnSpc>
         <a:spcBef>
-          <a:spcPts val="375"/>
+          <a:spcPts val="667"/>
         </a:spcBef>
         <a:buFont typeface="Arial" panose="020B0604020202020204" pitchFamily="34" charset="0"/>
         <a:buChar char="•"/>
-        <a:defRPr sz="1500" kern="1200">
+        <a:defRPr sz="2667" kern="1200">
           <a:solidFill>
             <a:schemeClr val="tx1"/>
           </a:solidFill>
@@ -2750,16 +2753,16 @@
           <a:cs typeface="+mn-cs"/>
         </a:defRPr>
       </a:lvl3pPr>
-      <a:lvl4pPr marL="1200150" indent="-171450" algn="l" defTabSz="685800" rtl="0" eaLnBrk="1" latinLnBrk="0" hangingPunct="1">
+      <a:lvl4pPr marL="2133547" indent="-304792" algn="l" defTabSz="1219170" rtl="0" eaLnBrk="1" latinLnBrk="0" hangingPunct="1">
         <a:lnSpc>
           <a:spcPct val="90000"/>
         </a:lnSpc>
         <a:spcBef>
-          <a:spcPts val="375"/>
+          <a:spcPts val="667"/>
         </a:spcBef>
         <a:buFont typeface="Arial" panose="020B0604020202020204" pitchFamily="34" charset="0"/>
         <a:buChar char="•"/>
-        <a:defRPr sz="1350" kern="1200">
+        <a:defRPr sz="2400" kern="1200">
           <a:solidFill>
             <a:schemeClr val="tx1"/>
           </a:solidFill>
@@ -2768,16 +2771,16 @@
           <a:cs typeface="+mn-cs"/>
         </a:defRPr>
       </a:lvl4pPr>
-      <a:lvl5pPr marL="1543050" indent="-171450" algn="l" defTabSz="685800" rtl="0" eaLnBrk="1" latinLnBrk="0" hangingPunct="1">
+      <a:lvl5pPr marL="2743131" indent="-304792" algn="l" defTabSz="1219170" rtl="0" eaLnBrk="1" latinLnBrk="0" hangingPunct="1">
         <a:lnSpc>
           <a:spcPct val="90000"/>
         </a:lnSpc>
         <a:spcBef>
-          <a:spcPts val="375"/>
+          <a:spcPts val="667"/>
         </a:spcBef>
         <a:buFont typeface="Arial" panose="020B0604020202020204" pitchFamily="34" charset="0"/>
         <a:buChar char="•"/>
-        <a:defRPr sz="1350" kern="1200">
+        <a:defRPr sz="2400" kern="1200">
           <a:solidFill>
             <a:schemeClr val="tx1"/>
           </a:solidFill>
@@ -2786,16 +2789,16 @@
           <a:cs typeface="+mn-cs"/>
         </a:defRPr>
       </a:lvl5pPr>
-      <a:lvl6pPr marL="1885950" indent="-171450" algn="l" defTabSz="685800" rtl="0" eaLnBrk="1" latinLnBrk="0" hangingPunct="1">
+      <a:lvl6pPr marL="3352716" indent="-304792" algn="l" defTabSz="1219170" rtl="0" eaLnBrk="1" latinLnBrk="0" hangingPunct="1">
         <a:lnSpc>
           <a:spcPct val="90000"/>
         </a:lnSpc>
         <a:spcBef>
-          <a:spcPts val="375"/>
+          <a:spcPts val="667"/>
         </a:spcBef>
         <a:buFont typeface="Arial" panose="020B0604020202020204" pitchFamily="34" charset="0"/>
         <a:buChar char="•"/>
-        <a:defRPr sz="1350" kern="1200">
+        <a:defRPr sz="2400" kern="1200">
           <a:solidFill>
             <a:schemeClr val="tx1"/>
           </a:solidFill>
@@ -2804,16 +2807,16 @@
           <a:cs typeface="+mn-cs"/>
         </a:defRPr>
       </a:lvl6pPr>
-      <a:lvl7pPr marL="2228850" indent="-171450" algn="l" defTabSz="685800" rtl="0" eaLnBrk="1" latinLnBrk="0" hangingPunct="1">
+      <a:lvl7pPr marL="3962301" indent="-304792" algn="l" defTabSz="1219170" rtl="0" eaLnBrk="1" latinLnBrk="0" hangingPunct="1">
         <a:lnSpc>
           <a:spcPct val="90000"/>
         </a:lnSpc>
         <a:spcBef>
-          <a:spcPts val="375"/>
+          <a:spcPts val="667"/>
         </a:spcBef>
         <a:buFont typeface="Arial" panose="020B0604020202020204" pitchFamily="34" charset="0"/>
         <a:buChar char="•"/>
-        <a:defRPr sz="1350" kern="1200">
+        <a:defRPr sz="2400" kern="1200">
           <a:solidFill>
             <a:schemeClr val="tx1"/>
           </a:solidFill>
@@ -2822,16 +2825,16 @@
           <a:cs typeface="+mn-cs"/>
         </a:defRPr>
       </a:lvl7pPr>
-      <a:lvl8pPr marL="2571750" indent="-171450" algn="l" defTabSz="685800" rtl="0" eaLnBrk="1" latinLnBrk="0" hangingPunct="1">
+      <a:lvl8pPr marL="4571886" indent="-304792" algn="l" defTabSz="1219170" rtl="0" eaLnBrk="1" latinLnBrk="0" hangingPunct="1">
         <a:lnSpc>
           <a:spcPct val="90000"/>
         </a:lnSpc>
         <a:spcBef>
-          <a:spcPts val="375"/>
+          <a:spcPts val="667"/>
         </a:spcBef>
         <a:buFont typeface="Arial" panose="020B0604020202020204" pitchFamily="34" charset="0"/>
         <a:buChar char="•"/>
-        <a:defRPr sz="1350" kern="1200">
+        <a:defRPr sz="2400" kern="1200">
           <a:solidFill>
             <a:schemeClr val="tx1"/>
           </a:solidFill>
@@ -2840,16 +2843,16 @@
           <a:cs typeface="+mn-cs"/>
         </a:defRPr>
       </a:lvl8pPr>
-      <a:lvl9pPr marL="2914650" indent="-171450" algn="l" defTabSz="685800" rtl="0" eaLnBrk="1" latinLnBrk="0" hangingPunct="1">
+      <a:lvl9pPr marL="5181470" indent="-304792" algn="l" defTabSz="1219170" rtl="0" eaLnBrk="1" latinLnBrk="0" hangingPunct="1">
         <a:lnSpc>
           <a:spcPct val="90000"/>
         </a:lnSpc>
         <a:spcBef>
-          <a:spcPts val="375"/>
+          <a:spcPts val="667"/>
         </a:spcBef>
         <a:buFont typeface="Arial" panose="020B0604020202020204" pitchFamily="34" charset="0"/>
         <a:buChar char="•"/>
-        <a:defRPr sz="1350" kern="1200">
+        <a:defRPr sz="2400" kern="1200">
           <a:solidFill>
             <a:schemeClr val="tx1"/>
           </a:solidFill>
@@ -2863,8 +2866,8 @@
       <a:defPPr>
         <a:defRPr lang="en-US"/>
       </a:defPPr>
-      <a:lvl1pPr marL="0" algn="l" defTabSz="685800" rtl="0" eaLnBrk="1" latinLnBrk="0" hangingPunct="1">
-        <a:defRPr sz="1350" kern="1200">
+      <a:lvl1pPr marL="0" algn="l" defTabSz="1219170" rtl="0" eaLnBrk="1" latinLnBrk="0" hangingPunct="1">
+        <a:defRPr sz="2400" kern="1200">
           <a:solidFill>
             <a:schemeClr val="tx1"/>
           </a:solidFill>
@@ -2873,8 +2876,8 @@
           <a:cs typeface="+mn-cs"/>
         </a:defRPr>
       </a:lvl1pPr>
-      <a:lvl2pPr marL="342900" algn="l" defTabSz="685800" rtl="0" eaLnBrk="1" latinLnBrk="0" hangingPunct="1">
-        <a:defRPr sz="1350" kern="1200">
+      <a:lvl2pPr marL="609585" algn="l" defTabSz="1219170" rtl="0" eaLnBrk="1" latinLnBrk="0" hangingPunct="1">
+        <a:defRPr sz="2400" kern="1200">
           <a:solidFill>
             <a:schemeClr val="tx1"/>
           </a:solidFill>
@@ -2883,8 +2886,8 @@
           <a:cs typeface="+mn-cs"/>
         </a:defRPr>
       </a:lvl2pPr>
-      <a:lvl3pPr marL="685800" algn="l" defTabSz="685800" rtl="0" eaLnBrk="1" latinLnBrk="0" hangingPunct="1">
-        <a:defRPr sz="1350" kern="1200">
+      <a:lvl3pPr marL="1219170" algn="l" defTabSz="1219170" rtl="0" eaLnBrk="1" latinLnBrk="0" hangingPunct="1">
+        <a:defRPr sz="2400" kern="1200">
           <a:solidFill>
             <a:schemeClr val="tx1"/>
           </a:solidFill>
@@ -2893,8 +2896,8 @@
           <a:cs typeface="+mn-cs"/>
         </a:defRPr>
       </a:lvl3pPr>
-      <a:lvl4pPr marL="1028700" algn="l" defTabSz="685800" rtl="0" eaLnBrk="1" latinLnBrk="0" hangingPunct="1">
-        <a:defRPr sz="1350" kern="1200">
+      <a:lvl4pPr marL="1828754" algn="l" defTabSz="1219170" rtl="0" eaLnBrk="1" latinLnBrk="0" hangingPunct="1">
+        <a:defRPr sz="2400" kern="1200">
           <a:solidFill>
             <a:schemeClr val="tx1"/>
           </a:solidFill>
@@ -2903,8 +2906,8 @@
           <a:cs typeface="+mn-cs"/>
         </a:defRPr>
       </a:lvl4pPr>
-      <a:lvl5pPr marL="1371600" algn="l" defTabSz="685800" rtl="0" eaLnBrk="1" latinLnBrk="0" hangingPunct="1">
-        <a:defRPr sz="1350" kern="1200">
+      <a:lvl5pPr marL="2438339" algn="l" defTabSz="1219170" rtl="0" eaLnBrk="1" latinLnBrk="0" hangingPunct="1">
+        <a:defRPr sz="2400" kern="1200">
           <a:solidFill>
             <a:schemeClr val="tx1"/>
           </a:solidFill>
@@ -2913,8 +2916,8 @@
           <a:cs typeface="+mn-cs"/>
         </a:defRPr>
       </a:lvl5pPr>
-      <a:lvl6pPr marL="1714500" algn="l" defTabSz="685800" rtl="0" eaLnBrk="1" latinLnBrk="0" hangingPunct="1">
-        <a:defRPr sz="1350" kern="1200">
+      <a:lvl6pPr marL="3047924" algn="l" defTabSz="1219170" rtl="0" eaLnBrk="1" latinLnBrk="0" hangingPunct="1">
+        <a:defRPr sz="2400" kern="1200">
           <a:solidFill>
             <a:schemeClr val="tx1"/>
           </a:solidFill>
@@ -2923,8 +2926,8 @@
           <a:cs typeface="+mn-cs"/>
         </a:defRPr>
       </a:lvl6pPr>
-      <a:lvl7pPr marL="2057400" algn="l" defTabSz="685800" rtl="0" eaLnBrk="1" latinLnBrk="0" hangingPunct="1">
-        <a:defRPr sz="1350" kern="1200">
+      <a:lvl7pPr marL="3657509" algn="l" defTabSz="1219170" rtl="0" eaLnBrk="1" latinLnBrk="0" hangingPunct="1">
+        <a:defRPr sz="2400" kern="1200">
           <a:solidFill>
             <a:schemeClr val="tx1"/>
           </a:solidFill>
@@ -2933,8 +2936,8 @@
           <a:cs typeface="+mn-cs"/>
         </a:defRPr>
       </a:lvl7pPr>
-      <a:lvl8pPr marL="2400300" algn="l" defTabSz="685800" rtl="0" eaLnBrk="1" latinLnBrk="0" hangingPunct="1">
-        <a:defRPr sz="1350" kern="1200">
+      <a:lvl8pPr marL="4267093" algn="l" defTabSz="1219170" rtl="0" eaLnBrk="1" latinLnBrk="0" hangingPunct="1">
+        <a:defRPr sz="2400" kern="1200">
           <a:solidFill>
             <a:schemeClr val="tx1"/>
           </a:solidFill>
@@ -2943,8 +2946,8 @@
           <a:cs typeface="+mn-cs"/>
         </a:defRPr>
       </a:lvl8pPr>
-      <a:lvl9pPr marL="2743200" algn="l" defTabSz="685800" rtl="0" eaLnBrk="1" latinLnBrk="0" hangingPunct="1">
-        <a:defRPr sz="1350" kern="1200">
+      <a:lvl9pPr marL="4876678" algn="l" defTabSz="1219170" rtl="0" eaLnBrk="1" latinLnBrk="0" hangingPunct="1">
+        <a:defRPr sz="2400" kern="1200">
           <a:solidFill>
             <a:schemeClr val="tx1"/>
           </a:solidFill>
@@ -2977,6 +2980,102 @@
       </p:grpSpPr>
       <p:sp>
         <p:nvSpPr>
+          <p:cNvPr id="2" name="Title 1">
+            <a:extLst>
+              <a:ext uri="{FF2B5EF4-FFF2-40B4-BE49-F238E27FC236}">
+                <a16:creationId xmlns:a16="http://schemas.microsoft.com/office/drawing/2014/main" id="{EEFB18E8-03C6-AFC6-02BE-0E22C3791AD2}"/>
+              </a:ext>
+            </a:extLst>
+          </p:cNvPr>
+          <p:cNvSpPr>
+            <a:spLocks noGrp="1"/>
+          </p:cNvSpPr>
+          <p:nvPr>
+            <p:ph type="title"/>
+          </p:nvPr>
+        </p:nvSpPr>
+        <p:spPr/>
+        <p:txBody>
+          <a:bodyPr/>
+          <a:lstStyle/>
+          <a:p>
+            <a:r>
+              <a:rPr lang="en-US" dirty="0"/>
+              <a:t>Map Routines Calling Trees</a:t>
+            </a:r>
+          </a:p>
+        </p:txBody>
+      </p:sp>
+      <p:sp>
+        <p:nvSpPr>
+          <p:cNvPr id="3" name="Content Placeholder 2">
+            <a:extLst>
+              <a:ext uri="{FF2B5EF4-FFF2-40B4-BE49-F238E27FC236}">
+                <a16:creationId xmlns:a16="http://schemas.microsoft.com/office/drawing/2014/main" id="{C230A609-764A-A6EB-C6C8-FA44FCB0FA31}"/>
+              </a:ext>
+            </a:extLst>
+          </p:cNvPr>
+          <p:cNvSpPr>
+            <a:spLocks noGrp="1"/>
+          </p:cNvSpPr>
+          <p:nvPr>
+            <p:ph idx="1"/>
+          </p:nvPr>
+        </p:nvSpPr>
+        <p:spPr/>
+        <p:txBody>
+          <a:bodyPr/>
+          <a:lstStyle/>
+          <a:p>
+            <a:r>
+              <a:rPr lang="en-US" dirty="0">
+                <a:solidFill>
+                  <a:srgbClr val="C00000"/>
+                </a:solidFill>
+              </a:rPr>
+              <a:t>Needs major update since splitting creation, plotting, and analysis routines – SMH 2025-11-20</a:t>
+            </a:r>
+          </a:p>
+          <a:p>
+            <a:pPr marL="0" indent="0">
+              <a:buNone/>
+            </a:pPr>
+            <a:endParaRPr lang="en-US" dirty="0"/>
+          </a:p>
+        </p:txBody>
+      </p:sp>
+    </p:spTree>
+    <p:extLst>
+      <p:ext uri="{BB962C8B-B14F-4D97-AF65-F5344CB8AC3E}">
+        <p14:creationId xmlns:p14="http://schemas.microsoft.com/office/powerpoint/2010/main" val="1312394028"/>
+      </p:ext>
+    </p:extLst>
+  </p:cSld>
+  <p:clrMapOvr>
+    <a:masterClrMapping/>
+  </p:clrMapOvr>
+</p:sld>
+</file>
+
+<file path=ppt/slides/slide2.xml><?xml version="1.0" encoding="utf-8"?>
+<p:sld xmlns:a="http://schemas.openxmlformats.org/drawingml/2006/main" xmlns:r="http://schemas.openxmlformats.org/officeDocument/2006/relationships" xmlns:p="http://schemas.openxmlformats.org/presentationml/2006/main">
+  <p:cSld>
+    <p:spTree>
+      <p:nvGrpSpPr>
+        <p:cNvPr id="1" name=""/>
+        <p:cNvGrpSpPr/>
+        <p:nvPr/>
+      </p:nvGrpSpPr>
+      <p:grpSpPr>
+        <a:xfrm>
+          <a:off x="0" y="0"/>
+          <a:ext cx="0" cy="0"/>
+          <a:chOff x="0" y="0"/>
+          <a:chExt cx="0" cy="0"/>
+        </a:xfrm>
+      </p:grpSpPr>
+      <p:sp>
+        <p:nvSpPr>
           <p:cNvPr id="2" name="Rectangle: Rounded Corners 1">
             <a:extLst>
               <a:ext uri="{FF2B5EF4-FFF2-40B4-BE49-F238E27FC236}">
@@ -2989,8 +3088,8 @@
         </p:nvSpPr>
         <p:spPr>
           <a:xfrm>
-            <a:off x="2402305" y="689811"/>
-            <a:ext cx="2053389" cy="336884"/>
+            <a:off x="5694354" y="1289310"/>
+            <a:ext cx="4867292" cy="798540"/>
           </a:xfrm>
           <a:prstGeom prst="roundRect">
             <a:avLst/>
@@ -3017,10 +3116,10 @@
           <a:p>
             <a:pPr algn="ctr"/>
             <a:r>
-              <a:rPr lang="en-US" sz="1400" dirty="0" err="1"/>
+              <a:rPr lang="en-US" sz="2400" dirty="0" err="1"/>
               <a:t>continousmapscript</a:t>
             </a:r>
-            <a:endParaRPr lang="en-US" sz="1400" dirty="0"/>
+            <a:endParaRPr lang="en-US" sz="2400" dirty="0"/>
           </a:p>
         </p:txBody>
       </p:sp>
@@ -3038,8 +3137,8 @@
         </p:nvSpPr>
         <p:spPr>
           <a:xfrm>
-            <a:off x="2402305" y="1420939"/>
-            <a:ext cx="2053389" cy="336884"/>
+            <a:off x="5694354" y="3022354"/>
+            <a:ext cx="4867292" cy="798540"/>
           </a:xfrm>
           <a:prstGeom prst="roundRect">
             <a:avLst/>
@@ -3066,10 +3165,10 @@
           <a:p>
             <a:pPr algn="ctr"/>
             <a:r>
-              <a:rPr lang="en-US" sz="1400" dirty="0" err="1"/>
+              <a:rPr lang="en-US" sz="2400" dirty="0" err="1"/>
               <a:t>MakeContiguousMap</a:t>
             </a:r>
-            <a:endParaRPr lang="en-US" sz="1400" dirty="0"/>
+            <a:endParaRPr lang="en-US" sz="2400" dirty="0"/>
           </a:p>
         </p:txBody>
       </p:sp>
@@ -3087,8 +3186,8 @@
         </p:nvSpPr>
         <p:spPr>
           <a:xfrm>
-            <a:off x="3459789" y="2185486"/>
-            <a:ext cx="730288" cy="336884"/>
+            <a:off x="8200981" y="4834614"/>
+            <a:ext cx="1731053" cy="798540"/>
           </a:xfrm>
           <a:prstGeom prst="roundRect">
             <a:avLst/>
@@ -3115,10 +3214,10 @@
           <a:p>
             <a:pPr algn="ctr"/>
             <a:r>
-              <a:rPr lang="en-US" sz="1200" dirty="0" err="1"/>
+              <a:rPr lang="en-US" sz="2400" dirty="0" err="1"/>
               <a:t>plot_patch</a:t>
             </a:r>
-            <a:endParaRPr lang="en-US" sz="1200" dirty="0"/>
+            <a:endParaRPr lang="en-US" sz="2400" dirty="0"/>
           </a:p>
         </p:txBody>
       </p:sp>
@@ -3136,8 +3235,8 @@
         </p:nvSpPr>
         <p:spPr>
           <a:xfrm>
-            <a:off x="2564814" y="2185486"/>
-            <a:ext cx="821354" cy="336884"/>
+            <a:off x="6079559" y="4834614"/>
+            <a:ext cx="1946913" cy="798540"/>
           </a:xfrm>
           <a:prstGeom prst="roundRect">
             <a:avLst/>
@@ -3164,10 +3263,10 @@
           <a:p>
             <a:pPr algn="ctr"/>
             <a:r>
-              <a:rPr lang="en-US" sz="1200" dirty="0" err="1"/>
+              <a:rPr lang="en-US" sz="2400" dirty="0" err="1"/>
               <a:t>make_patch</a:t>
             </a:r>
-            <a:endParaRPr lang="en-US" sz="1200" dirty="0"/>
+            <a:endParaRPr lang="en-US" sz="2400" dirty="0"/>
           </a:p>
         </p:txBody>
       </p:sp>
@@ -3185,8 +3284,8 @@
         </p:nvSpPr>
         <p:spPr>
           <a:xfrm>
-            <a:off x="4246000" y="2177650"/>
-            <a:ext cx="1604214" cy="336884"/>
+            <a:off x="10064593" y="4816040"/>
+            <a:ext cx="3802581" cy="798540"/>
           </a:xfrm>
           <a:prstGeom prst="roundRect">
             <a:avLst/>
@@ -3213,10 +3312,10 @@
           <a:p>
             <a:pPr algn="ctr"/>
             <a:r>
-              <a:rPr lang="en-US" sz="1200" dirty="0" err="1"/>
+              <a:rPr lang="en-US" sz="2400" dirty="0" err="1"/>
               <a:t>plot_contours_on_patch</a:t>
             </a:r>
-            <a:endParaRPr lang="en-US" sz="1200" dirty="0"/>
+            <a:endParaRPr lang="en-US" sz="2400" dirty="0"/>
           </a:p>
         </p:txBody>
       </p:sp>
@@ -3238,8 +3337,8 @@
         </p:nvCxnSpPr>
         <p:spPr>
           <a:xfrm rot="16200000" flipH="1">
-            <a:off x="3413135" y="1773687"/>
-            <a:ext cx="427663" cy="395933"/>
+            <a:off x="8090395" y="3858499"/>
+            <a:ext cx="1013720" cy="938508"/>
           </a:xfrm>
           <a:prstGeom prst="bentConnector3">
             <a:avLst/>
@@ -3275,8 +3374,8 @@
         </p:nvSpPr>
         <p:spPr>
           <a:xfrm>
-            <a:off x="1064372" y="2185486"/>
-            <a:ext cx="1435004" cy="336884"/>
+            <a:off x="2522956" y="4834614"/>
+            <a:ext cx="3401491" cy="798540"/>
           </a:xfrm>
           <a:prstGeom prst="roundRect">
             <a:avLst/>
@@ -3303,7 +3402,7 @@
           <a:p>
             <a:pPr algn="ctr"/>
             <a:r>
-              <a:rPr lang="en-US" sz="1200" dirty="0"/>
+              <a:rPr lang="en-US" sz="2400" dirty="0"/>
               <a:t>read_fits_map_L2_L3</a:t>
             </a:r>
           </a:p>
@@ -3323,8 +3422,8 @@
         </p:nvSpPr>
         <p:spPr>
           <a:xfrm>
-            <a:off x="-349194" y="2169070"/>
-            <a:ext cx="1356980" cy="336884"/>
+            <a:off x="-827719" y="4795702"/>
+            <a:ext cx="3216545" cy="798540"/>
           </a:xfrm>
           <a:prstGeom prst="roundRect">
             <a:avLst/>
@@ -3351,10 +3450,10 @@
           <a:p>
             <a:pPr algn="ctr"/>
             <a:r>
-              <a:rPr lang="en-US" sz="1200" dirty="0" err="1"/>
+              <a:rPr lang="en-US" sz="2400" dirty="0" err="1"/>
               <a:t>get_map_collection</a:t>
             </a:r>
-            <a:endParaRPr lang="en-US" sz="1200" dirty="0"/>
+            <a:endParaRPr lang="en-US" sz="2400" dirty="0"/>
           </a:p>
         </p:txBody>
       </p:sp>
@@ -3372,8 +3471,8 @@
         </p:nvSpPr>
         <p:spPr>
           <a:xfrm>
-            <a:off x="5915652" y="2172608"/>
-            <a:ext cx="942348" cy="336884"/>
+            <a:off x="14022286" y="4804088"/>
+            <a:ext cx="2233714" cy="798540"/>
           </a:xfrm>
           <a:prstGeom prst="roundRect">
             <a:avLst/>
@@ -3400,10 +3499,10 @@
           <a:p>
             <a:pPr algn="ctr"/>
             <a:r>
-              <a:rPr lang="en-US" sz="1200" dirty="0" err="1"/>
+              <a:rPr lang="en-US" sz="2400" dirty="0" err="1"/>
               <a:t>find_extrema</a:t>
             </a:r>
-            <a:endParaRPr lang="en-US" sz="1200" dirty="0"/>
+            <a:endParaRPr lang="en-US" sz="2400" dirty="0"/>
           </a:p>
         </p:txBody>
       </p:sp>
@@ -3425,8 +3524,8 @@
         </p:nvCxnSpPr>
         <p:spPr>
           <a:xfrm>
-            <a:off x="3429000" y="1026695"/>
-            <a:ext cx="0" cy="394244"/>
+            <a:off x="8128000" y="2087850"/>
+            <a:ext cx="0" cy="934504"/>
           </a:xfrm>
           <a:prstGeom prst="line">
             <a:avLst/>
@@ -3466,8 +3565,8 @@
         </p:nvCxnSpPr>
         <p:spPr>
           <a:xfrm rot="16200000" flipH="1">
-            <a:off x="4700521" y="486302"/>
-            <a:ext cx="414785" cy="2957826"/>
+            <a:off x="11141977" y="806919"/>
+            <a:ext cx="983194" cy="7011143"/>
           </a:xfrm>
           <a:prstGeom prst="bentConnector3">
             <a:avLst>
@@ -3509,8 +3608,8 @@
         </p:nvCxnSpPr>
         <p:spPr>
           <a:xfrm rot="5400000">
-            <a:off x="1673525" y="413594"/>
-            <a:ext cx="411247" cy="3099704"/>
+            <a:off x="3966875" y="634573"/>
+            <a:ext cx="974808" cy="7347447"/>
           </a:xfrm>
           <a:prstGeom prst="bentConnector3">
             <a:avLst>
@@ -3552,8 +3651,8 @@
         </p:nvCxnSpPr>
         <p:spPr>
           <a:xfrm rot="5400000">
-            <a:off x="2391606" y="1148091"/>
-            <a:ext cx="427663" cy="1647126"/>
+            <a:off x="5668993" y="2375603"/>
+            <a:ext cx="1013720" cy="3904299"/>
           </a:xfrm>
           <a:prstGeom prst="bentConnector3">
             <a:avLst>
@@ -3595,8 +3694,8 @@
         </p:nvCxnSpPr>
         <p:spPr>
           <a:xfrm rot="5400000">
-            <a:off x="2988415" y="1744900"/>
-            <a:ext cx="427663" cy="453509"/>
+            <a:off x="7083651" y="3790263"/>
+            <a:ext cx="1013720" cy="1074984"/>
           </a:xfrm>
           <a:prstGeom prst="bentConnector3">
             <a:avLst>
@@ -3638,8 +3737,8 @@
         </p:nvCxnSpPr>
         <p:spPr>
           <a:xfrm rot="16200000" flipH="1">
-            <a:off x="4028640" y="1158182"/>
-            <a:ext cx="419827" cy="1619107"/>
+            <a:off x="9549370" y="2399524"/>
+            <a:ext cx="995145" cy="3837883"/>
           </a:xfrm>
           <a:prstGeom prst="bentConnector3">
             <a:avLst>
@@ -3676,7 +3775,7 @@
 </p:sld>
 </file>
 
-<file path=ppt/slides/slide2.xml><?xml version="1.0" encoding="utf-8"?>
+<file path=ppt/slides/slide3.xml><?xml version="1.0" encoding="utf-8"?>
 <p:sld xmlns:a="http://schemas.openxmlformats.org/drawingml/2006/main" xmlns:r="http://schemas.openxmlformats.org/officeDocument/2006/relationships" xmlns:p="http://schemas.openxmlformats.org/presentationml/2006/main">
   <p:cSld>
     <p:spTree>
@@ -3713,8 +3812,8 @@
         </p:nvSpPr>
         <p:spPr>
           <a:xfrm>
-            <a:off x="2402305" y="1420939"/>
-            <a:ext cx="2053389" cy="336884"/>
+            <a:off x="5694354" y="4971470"/>
+            <a:ext cx="4867292" cy="798540"/>
           </a:xfrm>
           <a:prstGeom prst="roundRect">
             <a:avLst/>
@@ -3741,10 +3840,10 @@
           <a:p>
             <a:pPr algn="ctr"/>
             <a:r>
-              <a:rPr lang="en-US" sz="1400" dirty="0" err="1"/>
+              <a:rPr lang="en-US" sz="2400" dirty="0" err="1"/>
               <a:t>ROI_Script</a:t>
             </a:r>
-            <a:endParaRPr lang="en-US" sz="1400" dirty="0"/>
+            <a:endParaRPr lang="en-US" sz="2400" dirty="0"/>
           </a:p>
         </p:txBody>
       </p:sp>
@@ -3762,8 +3861,8 @@
         </p:nvSpPr>
         <p:spPr>
           <a:xfrm>
-            <a:off x="157284" y="2170532"/>
-            <a:ext cx="1373066" cy="336884"/>
+            <a:off x="372821" y="6748283"/>
+            <a:ext cx="3254675" cy="798540"/>
           </a:xfrm>
           <a:prstGeom prst="roundRect">
             <a:avLst/>
@@ -3790,7 +3889,7 @@
           <a:p>
             <a:pPr algn="ctr"/>
             <a:r>
-              <a:rPr lang="en-US" sz="1400" dirty="0"/>
+              <a:rPr lang="en-US" sz="2400" dirty="0"/>
               <a:t>L3_Jup_Map_Plot</a:t>
             </a:r>
           </a:p>
@@ -3810,8 +3909,8 @@
         </p:nvSpPr>
         <p:spPr>
           <a:xfrm>
-            <a:off x="1616498" y="2172985"/>
-            <a:ext cx="1636294" cy="336884"/>
+            <a:off x="3831699" y="6754098"/>
+            <a:ext cx="3878623" cy="798540"/>
           </a:xfrm>
           <a:prstGeom prst="roundRect">
             <a:avLst/>
@@ -3838,10 +3937,10 @@
           <a:p>
             <a:pPr algn="ctr"/>
             <a:r>
-              <a:rPr lang="en-US" sz="1400" dirty="0" err="1"/>
+              <a:rPr lang="en-US" sz="2400" dirty="0" err="1"/>
               <a:t>MakeContiguousMap</a:t>
             </a:r>
-            <a:endParaRPr lang="en-US" sz="1400" dirty="0"/>
+            <a:endParaRPr lang="en-US" sz="2400" dirty="0"/>
           </a:p>
         </p:txBody>
       </p:sp>
@@ -3863,8 +3962,8 @@
         </p:nvCxnSpPr>
         <p:spPr>
           <a:xfrm rot="5400000">
-            <a:off x="2724242" y="1468227"/>
-            <a:ext cx="415162" cy="994355"/>
+            <a:off x="6457462" y="5083561"/>
+            <a:ext cx="984088" cy="2356990"/>
           </a:xfrm>
           <a:prstGeom prst="bentConnector3">
             <a:avLst>
@@ -3906,8 +4005,8 @@
         </p:nvCxnSpPr>
         <p:spPr>
           <a:xfrm rot="5400000">
-            <a:off x="1930055" y="671586"/>
-            <a:ext cx="412709" cy="2585183"/>
+            <a:off x="4574946" y="3195227"/>
+            <a:ext cx="978273" cy="6127841"/>
           </a:xfrm>
           <a:prstGeom prst="bentConnector3">
             <a:avLst/>
@@ -3943,8 +4042,8 @@
         </p:nvSpPr>
         <p:spPr>
           <a:xfrm>
-            <a:off x="5067774" y="2172723"/>
-            <a:ext cx="1636294" cy="336884"/>
+            <a:off x="12012501" y="6753477"/>
+            <a:ext cx="3878623" cy="798540"/>
           </a:xfrm>
           <a:prstGeom prst="roundRect">
             <a:avLst/>
@@ -3971,10 +4070,10 @@
           <a:p>
             <a:pPr algn="ctr"/>
             <a:r>
-              <a:rPr lang="en-US" sz="1400" dirty="0" err="1"/>
+              <a:rPr lang="en-US" sz="2400" dirty="0" err="1"/>
               <a:t>NEDF_ROI_collections</a:t>
             </a:r>
-            <a:endParaRPr lang="en-US" sz="1400" dirty="0"/>
+            <a:endParaRPr lang="en-US" sz="2400" dirty="0"/>
           </a:p>
         </p:txBody>
       </p:sp>
@@ -3992,8 +4091,8 @@
         </p:nvSpPr>
         <p:spPr>
           <a:xfrm>
-            <a:off x="3342136" y="2175079"/>
-            <a:ext cx="1636294" cy="336884"/>
+            <a:off x="7922100" y="6759061"/>
+            <a:ext cx="3878623" cy="798540"/>
           </a:xfrm>
           <a:prstGeom prst="roundRect">
             <a:avLst/>
@@ -4020,10 +4119,10 @@
           <a:p>
             <a:pPr algn="ctr"/>
             <a:r>
-              <a:rPr lang="en-US" sz="1400" dirty="0" err="1"/>
+              <a:rPr lang="en-US" sz="2400" dirty="0" err="1"/>
               <a:t>get_map_collection</a:t>
             </a:r>
-            <a:endParaRPr lang="en-US" sz="1400" dirty="0"/>
+            <a:endParaRPr lang="en-US" sz="2400" dirty="0"/>
           </a:p>
         </p:txBody>
       </p:sp>
@@ -4045,8 +4144,8 @@
         </p:nvCxnSpPr>
         <p:spPr>
           <a:xfrm rot="16200000" flipH="1">
-            <a:off x="3586013" y="1600809"/>
-            <a:ext cx="417256" cy="731283"/>
+            <a:off x="8500179" y="5397830"/>
+            <a:ext cx="989051" cy="1733412"/>
           </a:xfrm>
           <a:prstGeom prst="bentConnector3">
             <a:avLst>
@@ -4088,8 +4187,8 @@
         </p:nvCxnSpPr>
         <p:spPr>
           <a:xfrm rot="16200000" flipH="1">
-            <a:off x="4450010" y="736812"/>
-            <a:ext cx="414900" cy="2456921"/>
+            <a:off x="10548172" y="3349837"/>
+            <a:ext cx="983467" cy="5823813"/>
           </a:xfrm>
           <a:prstGeom prst="bentConnector3">
             <a:avLst>
@@ -4126,7 +4225,7 @@
 </p:sld>
 </file>
 
-<file path=ppt/slides/slide3.xml><?xml version="1.0" encoding="utf-8"?>
+<file path=ppt/slides/slide4.xml><?xml version="1.0" encoding="utf-8"?>
 <p:sld xmlns:a="http://schemas.openxmlformats.org/drawingml/2006/main" xmlns:r="http://schemas.openxmlformats.org/officeDocument/2006/relationships" xmlns:p="http://schemas.openxmlformats.org/presentationml/2006/main">
   <p:cSld>
     <p:spTree>
@@ -4167,8 +4266,8 @@
         </p:nvCxnSpPr>
         <p:spPr>
           <a:xfrm rot="5400000">
-            <a:off x="1512598" y="1744248"/>
-            <a:ext cx="904648" cy="2430984"/>
+            <a:off x="3585417" y="925202"/>
+            <a:ext cx="2144351" cy="5762332"/>
           </a:xfrm>
           <a:prstGeom prst="bentConnector3">
             <a:avLst>
@@ -4213,8 +4312,8 @@
         </p:nvSpPr>
         <p:spPr>
           <a:xfrm>
-            <a:off x="2493881" y="2170532"/>
-            <a:ext cx="1373066" cy="336884"/>
+            <a:off x="5911422" y="1935652"/>
+            <a:ext cx="3254675" cy="798540"/>
           </a:xfrm>
           <a:prstGeom prst="roundRect">
             <a:avLst/>
@@ -4241,7 +4340,7 @@
           <a:p>
             <a:pPr algn="ctr"/>
             <a:r>
-              <a:rPr lang="en-US" sz="1400" dirty="0"/>
+              <a:rPr lang="en-US" sz="2400" dirty="0"/>
               <a:t>L3_Jup_Map_Plot</a:t>
             </a:r>
           </a:p>
@@ -4261,8 +4360,8 @@
         </p:nvSpPr>
         <p:spPr>
           <a:xfrm>
-            <a:off x="203998" y="3412064"/>
-            <a:ext cx="1090864" cy="336884"/>
+            <a:off x="483551" y="4878543"/>
+            <a:ext cx="2585752" cy="798540"/>
           </a:xfrm>
           <a:prstGeom prst="roundRect">
             <a:avLst/>
@@ -4289,10 +4388,10 @@
           <a:p>
             <a:pPr algn="ctr"/>
             <a:r>
-              <a:rPr lang="en-US" sz="1400" dirty="0" err="1"/>
+              <a:rPr lang="en-US" sz="2400" dirty="0" err="1"/>
               <a:t>make_patch</a:t>
             </a:r>
-            <a:endParaRPr lang="en-US" sz="1400" dirty="0"/>
+            <a:endParaRPr lang="en-US" sz="2400" dirty="0"/>
           </a:p>
         </p:txBody>
       </p:sp>
@@ -4310,8 +4409,8 @@
         </p:nvSpPr>
         <p:spPr>
           <a:xfrm>
-            <a:off x="1481805" y="3416175"/>
-            <a:ext cx="1636294" cy="336884"/>
+            <a:off x="3512427" y="4888288"/>
+            <a:ext cx="3878623" cy="798540"/>
           </a:xfrm>
           <a:prstGeom prst="roundRect">
             <a:avLst/>
@@ -4338,7 +4437,7 @@
           <a:p>
             <a:pPr algn="ctr"/>
             <a:r>
-              <a:rPr lang="en-US" sz="1400" dirty="0"/>
+              <a:rPr lang="en-US" sz="2400" dirty="0"/>
               <a:t>read_fits_map_L2_L3</a:t>
             </a:r>
           </a:p>
@@ -4358,8 +4457,8 @@
         </p:nvSpPr>
         <p:spPr>
           <a:xfrm>
-            <a:off x="3305042" y="3412065"/>
-            <a:ext cx="1636294" cy="336884"/>
+            <a:off x="7834174" y="4878545"/>
+            <a:ext cx="3878623" cy="798540"/>
           </a:xfrm>
           <a:prstGeom prst="roundRect">
             <a:avLst/>
@@ -4386,10 +4485,10 @@
           <a:p>
             <a:pPr algn="ctr"/>
             <a:r>
-              <a:rPr lang="en-US" sz="1400" dirty="0" err="1"/>
+              <a:rPr lang="en-US" sz="2400" dirty="0" err="1"/>
               <a:t>map_and_context</a:t>
             </a:r>
-            <a:endParaRPr lang="en-US" sz="1400" dirty="0"/>
+            <a:endParaRPr lang="en-US" sz="2400" dirty="0"/>
           </a:p>
         </p:txBody>
       </p:sp>
@@ -4407,8 +4506,8 @@
         </p:nvSpPr>
         <p:spPr>
           <a:xfrm>
-            <a:off x="5065964" y="3412065"/>
-            <a:ext cx="1636294" cy="336884"/>
+            <a:off x="12008211" y="4878545"/>
+            <a:ext cx="3878623" cy="798540"/>
           </a:xfrm>
           <a:prstGeom prst="roundRect">
             <a:avLst/>
@@ -4435,10 +4534,10 @@
           <a:p>
             <a:pPr algn="ctr"/>
             <a:r>
-              <a:rPr lang="en-US" sz="1400" dirty="0" err="1"/>
+              <a:rPr lang="en-US" sz="2400" dirty="0" err="1"/>
               <a:t>map_and_scatter</a:t>
             </a:r>
-            <a:endParaRPr lang="en-US" sz="1400" dirty="0"/>
+            <a:endParaRPr lang="en-US" sz="2400" dirty="0"/>
           </a:p>
         </p:txBody>
       </p:sp>
@@ -4460,8 +4559,8 @@
         </p:nvCxnSpPr>
         <p:spPr>
           <a:xfrm rot="16200000" flipH="1">
-            <a:off x="3199477" y="2488352"/>
-            <a:ext cx="904649" cy="942775"/>
+            <a:off x="7583947" y="2689005"/>
+            <a:ext cx="2144353" cy="2234726"/>
           </a:xfrm>
           <a:prstGeom prst="bentConnector3">
             <a:avLst/>
@@ -4508,8 +4607,8 @@
         </p:nvCxnSpPr>
         <p:spPr>
           <a:xfrm rot="16200000" flipH="1">
-            <a:off x="4079938" y="1607891"/>
-            <a:ext cx="904649" cy="2703697"/>
+            <a:off x="9670965" y="601986"/>
+            <a:ext cx="2144353" cy="6408763"/>
           </a:xfrm>
           <a:prstGeom prst="bentConnector3">
             <a:avLst>
@@ -4558,8 +4657,8 @@
         </p:nvCxnSpPr>
         <p:spPr>
           <a:xfrm rot="5400000">
-            <a:off x="2285804" y="2521564"/>
-            <a:ext cx="908759" cy="880462"/>
+            <a:off x="5418203" y="2767728"/>
+            <a:ext cx="2154095" cy="2087021"/>
           </a:xfrm>
           <a:prstGeom prst="bentConnector3">
             <a:avLst>
@@ -4603,7 +4702,7 @@
 </p:sld>
 </file>
 
-<file path=ppt/slides/slide4.xml><?xml version="1.0" encoding="utf-8"?>
+<file path=ppt/slides/slide5.xml><?xml version="1.0" encoding="utf-8"?>
 <p:sld xmlns:a="http://schemas.openxmlformats.org/drawingml/2006/main" xmlns:r="http://schemas.openxmlformats.org/officeDocument/2006/relationships" xmlns:p="http://schemas.openxmlformats.org/presentationml/2006/main">
   <p:cSld>
     <p:spTree>
@@ -4640,8 +4739,8 @@
         </p:nvSpPr>
         <p:spPr>
           <a:xfrm>
-            <a:off x="253966" y="4603567"/>
-            <a:ext cx="1090864" cy="336884"/>
+            <a:off x="601993" y="7695755"/>
+            <a:ext cx="2585752" cy="798540"/>
           </a:xfrm>
           <a:prstGeom prst="roundRect">
             <a:avLst/>
@@ -4668,10 +4767,10 @@
           <a:p>
             <a:pPr algn="ctr"/>
             <a:r>
-              <a:rPr lang="en-US" sz="1200" dirty="0" err="1"/>
+              <a:rPr lang="en-US" sz="2400" dirty="0" err="1"/>
               <a:t>make_patch</a:t>
             </a:r>
-            <a:endParaRPr lang="en-US" sz="1200" dirty="0"/>
+            <a:endParaRPr lang="en-US" sz="2400" dirty="0"/>
           </a:p>
         </p:txBody>
       </p:sp>
@@ -4689,8 +4788,8 @@
         </p:nvSpPr>
         <p:spPr>
           <a:xfrm>
-            <a:off x="2772041" y="4603567"/>
-            <a:ext cx="2078728" cy="336884"/>
+            <a:off x="6570764" y="7695755"/>
+            <a:ext cx="4927355" cy="798540"/>
           </a:xfrm>
           <a:prstGeom prst="roundRect">
             <a:avLst/>
@@ -4717,10 +4816,10 @@
           <a:p>
             <a:pPr algn="ctr"/>
             <a:r>
-              <a:rPr lang="en-US" sz="1200" dirty="0" err="1"/>
+              <a:rPr lang="en-US" sz="2400" dirty="0" err="1"/>
               <a:t>plot_contours_on_patch</a:t>
             </a:r>
-            <a:endParaRPr lang="en-US" sz="1200" dirty="0"/>
+            <a:endParaRPr lang="en-US" sz="2400" dirty="0"/>
           </a:p>
         </p:txBody>
       </p:sp>
@@ -4738,8 +4837,8 @@
         </p:nvSpPr>
         <p:spPr>
           <a:xfrm>
-            <a:off x="1706075" y="4603567"/>
-            <a:ext cx="913802" cy="336884"/>
+            <a:off x="4044030" y="7695755"/>
+            <a:ext cx="2166049" cy="798540"/>
           </a:xfrm>
           <a:prstGeom prst="roundRect">
             <a:avLst/>
@@ -4766,10 +4865,10 @@
           <a:p>
             <a:pPr algn="ctr"/>
             <a:r>
-              <a:rPr lang="en-US" sz="1200" dirty="0" err="1"/>
+              <a:rPr lang="en-US" sz="2400" dirty="0" err="1"/>
               <a:t>plot_patch</a:t>
             </a:r>
-            <a:endParaRPr lang="en-US" sz="1200" dirty="0"/>
+            <a:endParaRPr lang="en-US" sz="2400" dirty="0"/>
           </a:p>
         </p:txBody>
       </p:sp>
@@ -4787,8 +4886,8 @@
         </p:nvSpPr>
         <p:spPr>
           <a:xfrm>
-            <a:off x="5097528" y="4603567"/>
-            <a:ext cx="1407732" cy="336884"/>
+            <a:off x="12083029" y="7695755"/>
+            <a:ext cx="3336846" cy="798540"/>
           </a:xfrm>
           <a:prstGeom prst="roundRect">
             <a:avLst/>
@@ -4815,10 +4914,10 @@
           <a:p>
             <a:pPr algn="ctr"/>
             <a:r>
-              <a:rPr lang="en-US" sz="1200" dirty="0" err="1"/>
+              <a:rPr lang="en-US" sz="2400" dirty="0" err="1"/>
               <a:t>make_patch_RGB</a:t>
             </a:r>
-            <a:endParaRPr lang="en-US" sz="1200" dirty="0"/>
+            <a:endParaRPr lang="en-US" sz="2400" dirty="0"/>
           </a:p>
         </p:txBody>
       </p:sp>
@@ -4836,8 +4935,8 @@
         </p:nvSpPr>
         <p:spPr>
           <a:xfrm>
-            <a:off x="2351205" y="3412065"/>
-            <a:ext cx="1636294" cy="336884"/>
+            <a:off x="5573227" y="4871454"/>
+            <a:ext cx="3878623" cy="798540"/>
           </a:xfrm>
           <a:prstGeom prst="roundRect">
             <a:avLst/>
@@ -4864,10 +4963,10 @@
           <a:p>
             <a:pPr algn="ctr"/>
             <a:r>
-              <a:rPr lang="en-US" sz="1400" dirty="0" err="1"/>
+              <a:rPr lang="en-US" sz="2400" dirty="0" err="1"/>
               <a:t>map_and_context</a:t>
             </a:r>
-            <a:endParaRPr lang="en-US" sz="1400" dirty="0"/>
+            <a:endParaRPr lang="en-US" sz="2400" dirty="0"/>
           </a:p>
         </p:txBody>
       </p:sp>
@@ -4889,8 +4988,8 @@
         </p:nvCxnSpPr>
         <p:spPr>
           <a:xfrm rot="16200000" flipH="1">
-            <a:off x="4058064" y="2860237"/>
-            <a:ext cx="854618" cy="2632042"/>
+            <a:off x="9619115" y="3563418"/>
+            <a:ext cx="2025761" cy="6238914"/>
           </a:xfrm>
           <a:prstGeom prst="bentConnector3">
             <a:avLst/>
@@ -4937,8 +5036,8 @@
         </p:nvCxnSpPr>
         <p:spPr>
           <a:xfrm rot="5400000">
-            <a:off x="2238855" y="3673070"/>
-            <a:ext cx="854618" cy="1006376"/>
+            <a:off x="5306916" y="5490133"/>
+            <a:ext cx="2025761" cy="2385484"/>
           </a:xfrm>
           <a:prstGeom prst="bentConnector3">
             <a:avLst/>
@@ -4985,8 +5084,8 @@
         </p:nvCxnSpPr>
         <p:spPr>
           <a:xfrm rot="16200000" flipH="1">
-            <a:off x="3063069" y="3855231"/>
-            <a:ext cx="854618" cy="642053"/>
+            <a:off x="7260608" y="5921923"/>
+            <a:ext cx="2025761" cy="1521903"/>
           </a:xfrm>
           <a:prstGeom prst="bentConnector3">
             <a:avLst>
@@ -5031,8 +5130,8 @@
         </p:nvSpPr>
         <p:spPr>
           <a:xfrm>
-            <a:off x="1056606" y="561608"/>
-            <a:ext cx="4744788" cy="2862322"/>
+            <a:off x="2504548" y="1054586"/>
+            <a:ext cx="11246905" cy="3539430"/>
           </a:xfrm>
           <a:prstGeom prst="rect">
             <a:avLst/>
@@ -5045,12 +5144,12 @@
           </a:bodyPr>
           <a:lstStyle/>
           <a:p>
-            <a:pPr marL="342900" indent="-342900">
+            <a:pPr marL="812810" indent="-812810">
               <a:buFont typeface="Wingdings" panose="05000000000000000000" pitchFamily="2" charset="2"/>
               <a:buChar char="ü"/>
             </a:pPr>
             <a:r>
-              <a:rPr lang="en-US" dirty="0">
+              <a:rPr lang="en-US" sz="2800" dirty="0">
                 <a:solidFill>
                   <a:srgbClr val="C00000"/>
                 </a:solidFill>
@@ -5058,7 +5157,7 @@
               <a:t>Can we make </a:t>
             </a:r>
             <a:r>
-              <a:rPr lang="en-US" dirty="0" err="1">
+              <a:rPr lang="en-US" sz="2800" dirty="0" err="1">
                 <a:solidFill>
                   <a:srgbClr val="C00000"/>
                 </a:solidFill>
@@ -5066,7 +5165,7 @@
               <a:t>make_patch</a:t>
             </a:r>
             <a:r>
-              <a:rPr lang="en-US" dirty="0">
+              <a:rPr lang="en-US" sz="2800" dirty="0">
                 <a:solidFill>
                   <a:srgbClr val="C00000"/>
                 </a:solidFill>
@@ -5074,7 +5173,7 @@
               <a:t>, </a:t>
             </a:r>
             <a:r>
-              <a:rPr lang="en-US" dirty="0" err="1">
+              <a:rPr lang="en-US" sz="2800" dirty="0" err="1">
                 <a:solidFill>
                   <a:srgbClr val="C00000"/>
                 </a:solidFill>
@@ -5082,7 +5181,7 @@
               <a:t>plot_patch</a:t>
             </a:r>
             <a:r>
-              <a:rPr lang="en-US" dirty="0">
+              <a:rPr lang="en-US" sz="2800" dirty="0">
                 <a:solidFill>
                   <a:srgbClr val="C00000"/>
                 </a:solidFill>
@@ -5091,12 +5190,12 @@
             </a:r>
           </a:p>
           <a:p>
-            <a:pPr marL="342900" indent="-342900">
+            <a:pPr marL="812810" indent="-812810">
               <a:buFont typeface="Wingdings" panose="05000000000000000000" pitchFamily="2" charset="2"/>
               <a:buChar char="ü"/>
             </a:pPr>
             <a:r>
-              <a:rPr lang="en-US" dirty="0">
+              <a:rPr lang="en-US" sz="2800" dirty="0">
                 <a:solidFill>
                   <a:srgbClr val="C00000"/>
                 </a:solidFill>
@@ -5105,12 +5204,12 @@
             </a:r>
           </a:p>
           <a:p>
-            <a:pPr marL="342900" indent="-342900">
+            <a:pPr marL="812810" indent="-812810">
               <a:buFont typeface="Arial" panose="020B0604020202020204" pitchFamily="34" charset="0"/>
               <a:buChar char="•"/>
             </a:pPr>
             <a:r>
-              <a:rPr lang="en-US" dirty="0">
+              <a:rPr lang="en-US" sz="2800" dirty="0">
                 <a:solidFill>
                   <a:srgbClr val="C00000"/>
                 </a:solidFill>
@@ -5118,7 +5217,7 @@
               <a:t>Can we provide an alternative that over plots in red and black only the most extreme contours of fNH3 and </a:t>
             </a:r>
             <a:r>
-              <a:rPr lang="en-US" dirty="0" err="1">
+              <a:rPr lang="en-US" sz="2800" dirty="0" err="1">
                 <a:solidFill>
                   <a:srgbClr val="C00000"/>
                 </a:solidFill>
@@ -5126,7 +5225,7 @@
               <a:t>PCld</a:t>
             </a:r>
             <a:r>
-              <a:rPr lang="en-US" dirty="0">
+              <a:rPr lang="en-US" sz="2800" dirty="0">
                 <a:solidFill>
                   <a:srgbClr val="C00000"/>
                 </a:solidFill>
@@ -5154,8 +5253,8 @@
         </p:nvCxnSpPr>
         <p:spPr>
           <a:xfrm rot="5400000">
-            <a:off x="1557066" y="2991281"/>
-            <a:ext cx="854618" cy="2369954"/>
+            <a:off x="3690823" y="3874040"/>
+            <a:ext cx="2025761" cy="5617669"/>
           </a:xfrm>
           <a:prstGeom prst="bentConnector3">
             <a:avLst/>
@@ -5197,7 +5296,7 @@
 </p:sld>
 </file>
 
-<file path=ppt/slides/slide5.xml><?xml version="1.0" encoding="utf-8"?>
+<file path=ppt/slides/slide6.xml><?xml version="1.0" encoding="utf-8"?>
 <p:sld xmlns:a="http://schemas.openxmlformats.org/drawingml/2006/main" xmlns:r="http://schemas.openxmlformats.org/officeDocument/2006/relationships" xmlns:p="http://schemas.openxmlformats.org/presentationml/2006/main">
   <p:cSld>
     <p:spTree>
@@ -5234,8 +5333,8 @@
         </p:nvSpPr>
         <p:spPr>
           <a:xfrm>
-            <a:off x="483754" y="4092506"/>
-            <a:ext cx="845108" cy="336884"/>
+            <a:off x="1146676" y="6814975"/>
+            <a:ext cx="2003219" cy="798540"/>
           </a:xfrm>
           <a:prstGeom prst="roundRect">
             <a:avLst/>
@@ -5262,10 +5361,10 @@
           <a:p>
             <a:pPr algn="ctr"/>
             <a:r>
-              <a:rPr lang="en-US" sz="1200" dirty="0" err="1"/>
+              <a:rPr lang="en-US" sz="2400" dirty="0" err="1"/>
               <a:t>make_patch</a:t>
             </a:r>
-            <a:endParaRPr lang="en-US" sz="1200" dirty="0"/>
+            <a:endParaRPr lang="en-US" sz="2400" dirty="0"/>
           </a:p>
         </p:txBody>
       </p:sp>
@@ -5283,8 +5382,8 @@
         </p:nvSpPr>
         <p:spPr>
           <a:xfrm>
-            <a:off x="2324898" y="4092506"/>
-            <a:ext cx="1783406" cy="336884"/>
+            <a:off x="5510869" y="6814975"/>
+            <a:ext cx="4227333" cy="798540"/>
           </a:xfrm>
           <a:prstGeom prst="roundRect">
             <a:avLst/>
@@ -5311,10 +5410,10 @@
           <a:p>
             <a:pPr algn="ctr"/>
             <a:r>
-              <a:rPr lang="en-US" sz="1200" dirty="0" err="1"/>
+              <a:rPr lang="en-US" sz="2400" dirty="0" err="1"/>
               <a:t>plot_contours_on_patch</a:t>
             </a:r>
-            <a:endParaRPr lang="en-US" sz="1200" dirty="0"/>
+            <a:endParaRPr lang="en-US" sz="2400" dirty="0"/>
           </a:p>
         </p:txBody>
       </p:sp>
@@ -5332,8 +5431,8 @@
         </p:nvSpPr>
         <p:spPr>
           <a:xfrm>
-            <a:off x="1454153" y="4092506"/>
-            <a:ext cx="745454" cy="336884"/>
+            <a:off x="3446881" y="6814975"/>
+            <a:ext cx="1767002" cy="798540"/>
           </a:xfrm>
           <a:prstGeom prst="roundRect">
             <a:avLst/>
@@ -5360,10 +5459,10 @@
           <a:p>
             <a:pPr algn="ctr"/>
             <a:r>
-              <a:rPr lang="en-US" sz="1200" dirty="0" err="1"/>
+              <a:rPr lang="en-US" sz="2400" dirty="0" err="1"/>
               <a:t>plot_patch</a:t>
             </a:r>
-            <a:endParaRPr lang="en-US" sz="1200" dirty="0"/>
+            <a:endParaRPr lang="en-US" sz="2400" dirty="0"/>
           </a:p>
         </p:txBody>
       </p:sp>
@@ -5381,8 +5480,8 @@
         </p:nvSpPr>
         <p:spPr>
           <a:xfrm>
-            <a:off x="2749696" y="3146251"/>
-            <a:ext cx="1358608" cy="336884"/>
+            <a:off x="6517798" y="4572000"/>
+            <a:ext cx="3220404" cy="798540"/>
           </a:xfrm>
           <a:prstGeom prst="roundRect">
             <a:avLst/>
@@ -5409,10 +5508,10 @@
           <a:p>
             <a:pPr algn="ctr"/>
             <a:r>
-              <a:rPr lang="en-US" sz="1400" dirty="0" err="1"/>
+              <a:rPr lang="en-US" sz="2400" dirty="0" err="1"/>
               <a:t>map_and_scatter</a:t>
             </a:r>
-            <a:endParaRPr lang="en-US" sz="1400" dirty="0"/>
+            <a:endParaRPr lang="en-US" sz="2400" dirty="0"/>
           </a:p>
         </p:txBody>
       </p:sp>
@@ -5434,8 +5533,8 @@
         </p:nvCxnSpPr>
         <p:spPr>
           <a:xfrm rot="5400000">
-            <a:off x="3018116" y="3681621"/>
-            <a:ext cx="609371" cy="212399"/>
+            <a:off x="7154054" y="5841026"/>
+            <a:ext cx="1444435" cy="503464"/>
           </a:xfrm>
           <a:prstGeom prst="bentConnector3">
             <a:avLst>
@@ -5480,8 +5579,8 @@
         </p:nvSpPr>
         <p:spPr>
           <a:xfrm>
-            <a:off x="4239675" y="4092506"/>
-            <a:ext cx="1157156" cy="336884"/>
+            <a:off x="10049600" y="6814975"/>
+            <a:ext cx="2742888" cy="798540"/>
           </a:xfrm>
           <a:prstGeom prst="roundRect">
             <a:avLst/>
@@ -5508,10 +5607,10 @@
           <a:p>
             <a:pPr algn="ctr"/>
             <a:r>
-              <a:rPr lang="en-US" sz="1200" dirty="0" err="1"/>
+              <a:rPr lang="en-US" sz="2400" dirty="0" err="1"/>
               <a:t>plot_roi_scatter</a:t>
             </a:r>
-            <a:endParaRPr lang="en-US" sz="1200" dirty="0"/>
+            <a:endParaRPr lang="en-US" sz="2400" dirty="0"/>
           </a:p>
         </p:txBody>
       </p:sp>
@@ -5529,8 +5628,8 @@
         </p:nvSpPr>
         <p:spPr>
           <a:xfrm>
-            <a:off x="5492104" y="4092506"/>
-            <a:ext cx="1131256" cy="336884"/>
+            <a:off x="13018320" y="6814975"/>
+            <a:ext cx="2681496" cy="798540"/>
           </a:xfrm>
           <a:prstGeom prst="roundRect">
             <a:avLst/>
@@ -5557,10 +5656,10 @@
           <a:p>
             <a:pPr algn="ctr"/>
             <a:r>
-              <a:rPr lang="en-US" sz="1200" dirty="0" err="1"/>
+              <a:rPr lang="en-US" sz="2400" dirty="0" err="1"/>
               <a:t>plot_map_scatter</a:t>
             </a:r>
-            <a:endParaRPr lang="en-US" sz="1200" dirty="0"/>
+            <a:endParaRPr lang="en-US" sz="2400" dirty="0"/>
           </a:p>
         </p:txBody>
       </p:sp>
@@ -5582,8 +5681,8 @@
         </p:nvCxnSpPr>
         <p:spPr>
           <a:xfrm rot="16200000" flipH="1">
-            <a:off x="3818941" y="3093193"/>
-            <a:ext cx="609371" cy="1389253"/>
+            <a:off x="9052306" y="4446234"/>
+            <a:ext cx="1444435" cy="3293044"/>
           </a:xfrm>
           <a:prstGeom prst="bentConnector3">
             <a:avLst>
@@ -5632,8 +5731,8 @@
         </p:nvCxnSpPr>
         <p:spPr>
           <a:xfrm rot="16200000" flipH="1">
-            <a:off x="4438681" y="2473454"/>
-            <a:ext cx="609371" cy="2628732"/>
+            <a:off x="10521319" y="2977222"/>
+            <a:ext cx="1444435" cy="6231068"/>
           </a:xfrm>
           <a:prstGeom prst="bentConnector3">
             <a:avLst>
@@ -5682,8 +5781,8 @@
         </p:nvCxnSpPr>
         <p:spPr>
           <a:xfrm rot="5400000">
-            <a:off x="2323255" y="2986760"/>
-            <a:ext cx="609371" cy="1602120"/>
+            <a:off x="5506976" y="4193947"/>
+            <a:ext cx="1444435" cy="3797618"/>
           </a:xfrm>
           <a:prstGeom prst="bentConnector3">
             <a:avLst>
@@ -5728,8 +5827,8 @@
         </p:nvSpPr>
         <p:spPr>
           <a:xfrm>
-            <a:off x="1056606" y="561608"/>
-            <a:ext cx="4744788" cy="2308324"/>
+            <a:off x="2504548" y="1064188"/>
+            <a:ext cx="11246905" cy="3108543"/>
           </a:xfrm>
           <a:prstGeom prst="rect">
             <a:avLst/>
@@ -5742,12 +5841,12 @@
           </a:bodyPr>
           <a:lstStyle/>
           <a:p>
-            <a:pPr marL="342900" indent="-342900">
+            <a:pPr marL="812810" indent="-812810">
               <a:buFont typeface="Wingdings" panose="05000000000000000000" pitchFamily="2" charset="2"/>
               <a:buChar char="ü"/>
             </a:pPr>
             <a:r>
-              <a:rPr lang="en-US" dirty="0">
+              <a:rPr lang="en-US" sz="2800" dirty="0">
                 <a:solidFill>
                   <a:srgbClr val="C00000"/>
                 </a:solidFill>
@@ -5755,7 +5854,7 @@
               <a:t>Can we make </a:t>
             </a:r>
             <a:r>
-              <a:rPr lang="en-US" dirty="0" err="1">
+              <a:rPr lang="en-US" sz="2800" dirty="0" err="1">
                 <a:solidFill>
                   <a:srgbClr val="C00000"/>
                 </a:solidFill>
@@ -5763,7 +5862,7 @@
               <a:t>make_patch</a:t>
             </a:r>
             <a:r>
-              <a:rPr lang="en-US" dirty="0">
+              <a:rPr lang="en-US" sz="2800" dirty="0">
                 <a:solidFill>
                   <a:srgbClr val="C00000"/>
                 </a:solidFill>
@@ -5771,7 +5870,7 @@
               <a:t>, </a:t>
             </a:r>
             <a:r>
-              <a:rPr lang="en-US" dirty="0" err="1">
+              <a:rPr lang="en-US" sz="2800" dirty="0" err="1">
                 <a:solidFill>
                   <a:srgbClr val="C00000"/>
                 </a:solidFill>
@@ -5779,7 +5878,7 @@
               <a:t>plot_patch</a:t>
             </a:r>
             <a:r>
-              <a:rPr lang="en-US" dirty="0">
+              <a:rPr lang="en-US" sz="2800" dirty="0">
                 <a:solidFill>
                   <a:srgbClr val="C00000"/>
                 </a:solidFill>
@@ -5788,12 +5887,12 @@
             </a:r>
           </a:p>
           <a:p>
-            <a:pPr marL="342900" indent="-342900">
+            <a:pPr marL="812810" indent="-812810">
               <a:buFont typeface="Wingdings" panose="05000000000000000000" pitchFamily="2" charset="2"/>
               <a:buChar char="ü"/>
             </a:pPr>
             <a:r>
-              <a:rPr lang="en-US" dirty="0">
+              <a:rPr lang="en-US" sz="2800" dirty="0">
                 <a:solidFill>
                   <a:srgbClr val="C00000"/>
                 </a:solidFill>
@@ -5802,12 +5901,12 @@
             </a:r>
           </a:p>
           <a:p>
-            <a:pPr marL="342900" indent="-342900">
+            <a:pPr marL="812810" indent="-812810">
               <a:buFont typeface="Arial" panose="020B0604020202020204" pitchFamily="34" charset="0"/>
               <a:buChar char="•"/>
             </a:pPr>
             <a:r>
-              <a:rPr lang="en-US" dirty="0">
+              <a:rPr lang="en-US" sz="2800" dirty="0">
                 <a:solidFill>
                   <a:srgbClr val="C00000"/>
                 </a:solidFill>
@@ -5815,7 +5914,7 @@
               <a:t>Can we provide an alternative that over plots in red and black only the most extreme contours of fNH3 and </a:t>
             </a:r>
             <a:r>
-              <a:rPr lang="en-US" dirty="0" err="1">
+              <a:rPr lang="en-US" sz="2800" dirty="0" err="1">
                 <a:solidFill>
                   <a:srgbClr val="C00000"/>
                 </a:solidFill>
@@ -5823,7 +5922,7 @@
               <a:t>PCld</a:t>
             </a:r>
             <a:r>
-              <a:rPr lang="en-US" dirty="0">
+              <a:rPr lang="en-US" sz="2800" dirty="0">
                 <a:solidFill>
                   <a:srgbClr val="C00000"/>
                 </a:solidFill>
@@ -5851,8 +5950,8 @@
         </p:nvCxnSpPr>
         <p:spPr>
           <a:xfrm rot="5400000">
-            <a:off x="1862969" y="2526474"/>
-            <a:ext cx="609371" cy="2522692"/>
+            <a:off x="4415928" y="3102899"/>
+            <a:ext cx="1444435" cy="5979714"/>
           </a:xfrm>
           <a:prstGeom prst="bentConnector3">
             <a:avLst>

--- a/Maps/Map Calling Trees.pptx
+++ b/Maps/Map Calling Trees.pptx
@@ -248,7 +248,7 @@
           <a:p>
             <a:fld id="{4728A198-E1B1-4E07-BA63-B848E5929EE6}" type="datetimeFigureOut">
               <a:rPr lang="en-US" smtClean="0"/>
-              <a:t>11/20/2025</a:t>
+              <a:t>12/26/2025</a:t>
             </a:fld>
             <a:endParaRPr lang="en-US"/>
           </a:p>
@@ -418,7 +418,7 @@
           <a:p>
             <a:fld id="{4728A198-E1B1-4E07-BA63-B848E5929EE6}" type="datetimeFigureOut">
               <a:rPr lang="en-US" smtClean="0"/>
-              <a:t>11/20/2025</a:t>
+              <a:t>12/26/2025</a:t>
             </a:fld>
             <a:endParaRPr lang="en-US"/>
           </a:p>
@@ -598,7 +598,7 @@
           <a:p>
             <a:fld id="{4728A198-E1B1-4E07-BA63-B848E5929EE6}" type="datetimeFigureOut">
               <a:rPr lang="en-US" smtClean="0"/>
-              <a:t>11/20/2025</a:t>
+              <a:t>12/26/2025</a:t>
             </a:fld>
             <a:endParaRPr lang="en-US"/>
           </a:p>
@@ -768,7 +768,7 @@
           <a:p>
             <a:fld id="{4728A198-E1B1-4E07-BA63-B848E5929EE6}" type="datetimeFigureOut">
               <a:rPr lang="en-US" smtClean="0"/>
-              <a:t>11/20/2025</a:t>
+              <a:t>12/26/2025</a:t>
             </a:fld>
             <a:endParaRPr lang="en-US"/>
           </a:p>
@@ -1014,7 +1014,7 @@
           <a:p>
             <a:fld id="{4728A198-E1B1-4E07-BA63-B848E5929EE6}" type="datetimeFigureOut">
               <a:rPr lang="en-US" smtClean="0"/>
-              <a:t>11/20/2025</a:t>
+              <a:t>12/26/2025</a:t>
             </a:fld>
             <a:endParaRPr lang="en-US"/>
           </a:p>
@@ -1246,7 +1246,7 @@
           <a:p>
             <a:fld id="{4728A198-E1B1-4E07-BA63-B848E5929EE6}" type="datetimeFigureOut">
               <a:rPr lang="en-US" smtClean="0"/>
-              <a:t>11/20/2025</a:t>
+              <a:t>12/26/2025</a:t>
             </a:fld>
             <a:endParaRPr lang="en-US"/>
           </a:p>
@@ -1613,7 +1613,7 @@
           <a:p>
             <a:fld id="{4728A198-E1B1-4E07-BA63-B848E5929EE6}" type="datetimeFigureOut">
               <a:rPr lang="en-US" smtClean="0"/>
-              <a:t>11/20/2025</a:t>
+              <a:t>12/26/2025</a:t>
             </a:fld>
             <a:endParaRPr lang="en-US"/>
           </a:p>
@@ -1731,7 +1731,7 @@
           <a:p>
             <a:fld id="{4728A198-E1B1-4E07-BA63-B848E5929EE6}" type="datetimeFigureOut">
               <a:rPr lang="en-US" smtClean="0"/>
-              <a:t>11/20/2025</a:t>
+              <a:t>12/26/2025</a:t>
             </a:fld>
             <a:endParaRPr lang="en-US"/>
           </a:p>
@@ -1826,7 +1826,7 @@
           <a:p>
             <a:fld id="{4728A198-E1B1-4E07-BA63-B848E5929EE6}" type="datetimeFigureOut">
               <a:rPr lang="en-US" smtClean="0"/>
-              <a:t>11/20/2025</a:t>
+              <a:t>12/26/2025</a:t>
             </a:fld>
             <a:endParaRPr lang="en-US"/>
           </a:p>
@@ -2103,7 +2103,7 @@
           <a:p>
             <a:fld id="{4728A198-E1B1-4E07-BA63-B848E5929EE6}" type="datetimeFigureOut">
               <a:rPr lang="en-US" smtClean="0"/>
-              <a:t>11/20/2025</a:t>
+              <a:t>12/26/2025</a:t>
             </a:fld>
             <a:endParaRPr lang="en-US"/>
           </a:p>
@@ -2360,7 +2360,7 @@
           <a:p>
             <a:fld id="{4728A198-E1B1-4E07-BA63-B848E5929EE6}" type="datetimeFigureOut">
               <a:rPr lang="en-US" smtClean="0"/>
-              <a:t>11/20/2025</a:t>
+              <a:t>12/26/2025</a:t>
             </a:fld>
             <a:endParaRPr lang="en-US"/>
           </a:p>
@@ -2573,7 +2573,7 @@
           <a:p>
             <a:fld id="{4728A198-E1B1-4E07-BA63-B848E5929EE6}" type="datetimeFigureOut">
               <a:rPr lang="en-US" smtClean="0"/>
-              <a:t>11/20/2025</a:t>
+              <a:t>12/26/2025</a:t>
             </a:fld>
             <a:endParaRPr lang="en-US"/>
           </a:p>
